--- a/RushHour.pptx
+++ b/RushHour.pptx
@@ -6,11 +6,12 @@
   </p:sldMasterIdLst>
   <p:sldIdLst>
     <p:sldId id="256" r:id="rId2"/>
-    <p:sldId id="257" r:id="rId3"/>
-    <p:sldId id="258" r:id="rId4"/>
-    <p:sldId id="259" r:id="rId5"/>
-    <p:sldId id="260" r:id="rId6"/>
-    <p:sldId id="261" r:id="rId7"/>
+    <p:sldId id="259" r:id="rId3"/>
+    <p:sldId id="257" r:id="rId4"/>
+    <p:sldId id="258" r:id="rId5"/>
+    <p:sldId id="262" r:id="rId6"/>
+    <p:sldId id="260" r:id="rId7"/>
+    <p:sldId id="261" r:id="rId8"/>
   </p:sldIdLst>
   <p:sldSz cx="9144000" cy="6858000" type="screen4x3"/>
   <p:notesSz cx="6858000" cy="9144000"/>
@@ -247,9 +248,9 @@
           <a:bodyPr/>
           <a:lstStyle/>
           <a:p>
-            <a:fld id="{B712BBE0-4A7A-4DF1-BBDD-015602BB655B}" type="datetimeFigureOut">
+            <a:fld id="{C8F29507-750A-4918-B9AF-C5FB9FCFA07D}" type="datetimeFigureOut">
               <a:rPr lang="nl-NL" smtClean="0"/>
-              <a:t>6-1-2020</a:t>
+              <a:t>12-1-2020</a:t>
             </a:fld>
             <a:endParaRPr lang="nl-NL"/>
           </a:p>
@@ -993,7 +994,7 @@
           <a:bodyPr/>
           <a:lstStyle/>
           <a:p>
-            <a:fld id="{ADEDCC84-974B-4577-8BBB-45AF4E1427ED}" type="slidenum">
+            <a:fld id="{7DC209ED-6F1A-4746-8781-AC810FFBB694}" type="slidenum">
               <a:rPr lang="nl-NL" smtClean="0"/>
               <a:t>‹#›</a:t>
             </a:fld>
@@ -1116,9 +1117,9 @@
           <a:bodyPr/>
           <a:lstStyle/>
           <a:p>
-            <a:fld id="{B712BBE0-4A7A-4DF1-BBDD-015602BB655B}" type="datetimeFigureOut">
+            <a:fld id="{C8F29507-750A-4918-B9AF-C5FB9FCFA07D}" type="datetimeFigureOut">
               <a:rPr lang="nl-NL" smtClean="0"/>
-              <a:t>6-1-2020</a:t>
+              <a:t>12-1-2020</a:t>
             </a:fld>
             <a:endParaRPr lang="nl-NL"/>
           </a:p>
@@ -1158,7 +1159,7 @@
           <a:bodyPr/>
           <a:lstStyle/>
           <a:p>
-            <a:fld id="{ADEDCC84-974B-4577-8BBB-45AF4E1427ED}" type="slidenum">
+            <a:fld id="{7DC209ED-6F1A-4746-8781-AC810FFBB694}" type="slidenum">
               <a:rPr lang="nl-NL" smtClean="0"/>
               <a:t>‹#›</a:t>
             </a:fld>
@@ -1291,9 +1292,9 @@
           <a:bodyPr/>
           <a:lstStyle/>
           <a:p>
-            <a:fld id="{B712BBE0-4A7A-4DF1-BBDD-015602BB655B}" type="datetimeFigureOut">
+            <a:fld id="{C8F29507-750A-4918-B9AF-C5FB9FCFA07D}" type="datetimeFigureOut">
               <a:rPr lang="nl-NL" smtClean="0"/>
-              <a:t>6-1-2020</a:t>
+              <a:t>12-1-2020</a:t>
             </a:fld>
             <a:endParaRPr lang="nl-NL"/>
           </a:p>
@@ -1333,7 +1334,7 @@
           <a:bodyPr/>
           <a:lstStyle/>
           <a:p>
-            <a:fld id="{ADEDCC84-974B-4577-8BBB-45AF4E1427ED}" type="slidenum">
+            <a:fld id="{7DC209ED-6F1A-4746-8781-AC810FFBB694}" type="slidenum">
               <a:rPr lang="nl-NL" smtClean="0"/>
               <a:t>‹#›</a:t>
             </a:fld>
@@ -1461,9 +1462,9 @@
           <a:bodyPr rtlCol="0"/>
           <a:lstStyle/>
           <a:p>
-            <a:fld id="{B712BBE0-4A7A-4DF1-BBDD-015602BB655B}" type="datetimeFigureOut">
+            <a:fld id="{C8F29507-750A-4918-B9AF-C5FB9FCFA07D}" type="datetimeFigureOut">
               <a:rPr lang="nl-NL" smtClean="0"/>
-              <a:t>6-1-2020</a:t>
+              <a:t>12-1-2020</a:t>
             </a:fld>
             <a:endParaRPr lang="nl-NL"/>
           </a:p>
@@ -1484,7 +1485,7 @@
           <a:bodyPr rtlCol="0"/>
           <a:lstStyle/>
           <a:p>
-            <a:fld id="{ADEDCC84-974B-4577-8BBB-45AF4E1427ED}" type="slidenum">
+            <a:fld id="{7DC209ED-6F1A-4746-8781-AC810FFBB694}" type="slidenum">
               <a:rPr lang="nl-NL" smtClean="0"/>
               <a:t>‹#›</a:t>
             </a:fld>
@@ -1671,9 +1672,9 @@
           <a:bodyPr/>
           <a:lstStyle/>
           <a:p>
-            <a:fld id="{B712BBE0-4A7A-4DF1-BBDD-015602BB655B}" type="datetimeFigureOut">
+            <a:fld id="{C8F29507-750A-4918-B9AF-C5FB9FCFA07D}" type="datetimeFigureOut">
               <a:rPr lang="nl-NL" smtClean="0"/>
-              <a:t>6-1-2020</a:t>
+              <a:t>12-1-2020</a:t>
             </a:fld>
             <a:endParaRPr lang="nl-NL"/>
           </a:p>
@@ -2414,7 +2415,7 @@
           <a:bodyPr/>
           <a:lstStyle/>
           <a:p>
-            <a:fld id="{ADEDCC84-974B-4577-8BBB-45AF4E1427ED}" type="slidenum">
+            <a:fld id="{7DC209ED-6F1A-4746-8781-AC810FFBB694}" type="slidenum">
               <a:rPr lang="nl-NL" smtClean="0"/>
               <a:t>‹#›</a:t>
             </a:fld>
@@ -2485,9 +2486,9 @@
           <a:bodyPr/>
           <a:lstStyle/>
           <a:p>
-            <a:fld id="{B712BBE0-4A7A-4DF1-BBDD-015602BB655B}" type="datetimeFigureOut">
+            <a:fld id="{C8F29507-750A-4918-B9AF-C5FB9FCFA07D}" type="datetimeFigureOut">
               <a:rPr lang="nl-NL" smtClean="0"/>
-              <a:t>6-1-2020</a:t>
+              <a:t>12-1-2020</a:t>
             </a:fld>
             <a:endParaRPr lang="nl-NL"/>
           </a:p>
@@ -2527,7 +2528,7 @@
           <a:bodyPr/>
           <a:lstStyle/>
           <a:p>
-            <a:fld id="{ADEDCC84-974B-4577-8BBB-45AF4E1427ED}" type="slidenum">
+            <a:fld id="{7DC209ED-6F1A-4746-8781-AC810FFBB694}" type="slidenum">
               <a:rPr lang="nl-NL" smtClean="0"/>
               <a:t>‹#›</a:t>
             </a:fld>
@@ -2721,9 +2722,9 @@
           <a:bodyPr/>
           <a:lstStyle/>
           <a:p>
-            <a:fld id="{B712BBE0-4A7A-4DF1-BBDD-015602BB655B}" type="datetimeFigureOut">
+            <a:fld id="{C8F29507-750A-4918-B9AF-C5FB9FCFA07D}" type="datetimeFigureOut">
               <a:rPr lang="nl-NL" smtClean="0"/>
-              <a:t>6-1-2020</a:t>
+              <a:t>12-1-2020</a:t>
             </a:fld>
             <a:endParaRPr lang="nl-NL"/>
           </a:p>
@@ -2763,7 +2764,7 @@
           <a:bodyPr/>
           <a:lstStyle/>
           <a:p>
-            <a:fld id="{ADEDCC84-974B-4577-8BBB-45AF4E1427ED}" type="slidenum">
+            <a:fld id="{7DC209ED-6F1A-4746-8781-AC810FFBB694}" type="slidenum">
               <a:rPr lang="nl-NL" smtClean="0"/>
               <a:t>‹#›</a:t>
             </a:fld>
@@ -3044,9 +3045,9 @@
           <a:bodyPr rtlCol="0"/>
           <a:lstStyle/>
           <a:p>
-            <a:fld id="{B712BBE0-4A7A-4DF1-BBDD-015602BB655B}" type="datetimeFigureOut">
+            <a:fld id="{C8F29507-750A-4918-B9AF-C5FB9FCFA07D}" type="datetimeFigureOut">
               <a:rPr lang="nl-NL" smtClean="0"/>
-              <a:t>6-1-2020</a:t>
+              <a:t>12-1-2020</a:t>
             </a:fld>
             <a:endParaRPr lang="nl-NL"/>
           </a:p>
@@ -3067,7 +3068,7 @@
           <a:bodyPr rtlCol="0"/>
           <a:lstStyle/>
           <a:p>
-            <a:fld id="{ADEDCC84-974B-4577-8BBB-45AF4E1427ED}" type="slidenum">
+            <a:fld id="{7DC209ED-6F1A-4746-8781-AC810FFBB694}" type="slidenum">
               <a:rPr lang="nl-NL" smtClean="0"/>
               <a:t>‹#›</a:t>
             </a:fld>
@@ -3134,9 +3135,9 @@
           <a:bodyPr/>
           <a:lstStyle/>
           <a:p>
-            <a:fld id="{B712BBE0-4A7A-4DF1-BBDD-015602BB655B}" type="datetimeFigureOut">
+            <a:fld id="{C8F29507-750A-4918-B9AF-C5FB9FCFA07D}" type="datetimeFigureOut">
               <a:rPr lang="nl-NL" smtClean="0"/>
-              <a:t>6-1-2020</a:t>
+              <a:t>12-1-2020</a:t>
             </a:fld>
             <a:endParaRPr lang="nl-NL"/>
           </a:p>
@@ -3176,7 +3177,7 @@
           <a:bodyPr/>
           <a:lstStyle/>
           <a:p>
-            <a:fld id="{ADEDCC84-974B-4577-8BBB-45AF4E1427ED}" type="slidenum">
+            <a:fld id="{7DC209ED-6F1A-4746-8781-AC810FFBB694}" type="slidenum">
               <a:rPr lang="nl-NL" smtClean="0"/>
               <a:t>‹#›</a:t>
             </a:fld>
@@ -3651,9 +3652,9 @@
           <a:bodyPr rtlCol="0"/>
           <a:lstStyle/>
           <a:p>
-            <a:fld id="{B712BBE0-4A7A-4DF1-BBDD-015602BB655B}" type="datetimeFigureOut">
+            <a:fld id="{C8F29507-750A-4918-B9AF-C5FB9FCFA07D}" type="datetimeFigureOut">
               <a:rPr lang="nl-NL" smtClean="0"/>
-              <a:t>6-1-2020</a:t>
+              <a:t>12-1-2020</a:t>
             </a:fld>
             <a:endParaRPr lang="nl-NL"/>
           </a:p>
@@ -3674,7 +3675,7 @@
           <a:bodyPr rtlCol="0"/>
           <a:lstStyle/>
           <a:p>
-            <a:fld id="{ADEDCC84-974B-4577-8BBB-45AF4E1427ED}" type="slidenum">
+            <a:fld id="{7DC209ED-6F1A-4746-8781-AC810FFBB694}" type="slidenum">
               <a:rPr lang="nl-NL" smtClean="0"/>
               <a:t>‹#›</a:t>
             </a:fld>
@@ -4162,9 +4163,9 @@
           <a:bodyPr rtlCol="0"/>
           <a:lstStyle/>
           <a:p>
-            <a:fld id="{B712BBE0-4A7A-4DF1-BBDD-015602BB655B}" type="datetimeFigureOut">
+            <a:fld id="{C8F29507-750A-4918-B9AF-C5FB9FCFA07D}" type="datetimeFigureOut">
               <a:rPr lang="nl-NL" smtClean="0"/>
-              <a:t>6-1-2020</a:t>
+              <a:t>12-1-2020</a:t>
             </a:fld>
             <a:endParaRPr lang="nl-NL"/>
           </a:p>
@@ -4185,7 +4186,7 @@
           <a:bodyPr rtlCol="0"/>
           <a:lstStyle/>
           <a:p>
-            <a:fld id="{ADEDCC84-974B-4577-8BBB-45AF4E1427ED}" type="slidenum">
+            <a:fld id="{7DC209ED-6F1A-4746-8781-AC810FFBB694}" type="slidenum">
               <a:rPr lang="nl-NL" smtClean="0"/>
               <a:t>‹#›</a:t>
             </a:fld>
@@ -4407,9 +4408,9 @@
             </a:lvl1pPr>
           </a:lstStyle>
           <a:p>
-            <a:fld id="{B712BBE0-4A7A-4DF1-BBDD-015602BB655B}" type="datetimeFigureOut">
+            <a:fld id="{C8F29507-750A-4918-B9AF-C5FB9FCFA07D}" type="datetimeFigureOut">
               <a:rPr lang="nl-NL" smtClean="0"/>
-              <a:t>6-1-2020</a:t>
+              <a:t>12-1-2020</a:t>
             </a:fld>
             <a:endParaRPr lang="nl-NL"/>
           </a:p>
@@ -4683,7 +4684,7 @@
             </a:lvl1pPr>
           </a:lstStyle>
           <a:p>
-            <a:fld id="{ADEDCC84-974B-4577-8BBB-45AF4E1427ED}" type="slidenum">
+            <a:fld id="{7DC209ED-6F1A-4746-8781-AC810FFBB694}" type="slidenum">
               <a:rPr lang="nl-NL" smtClean="0"/>
               <a:t>‹#›</a:t>
             </a:fld>
@@ -5031,7 +5032,7 @@
           <a:p>
             <a:r>
               <a:rPr lang="nl-NL" dirty="0" smtClean="0"/>
-              <a:t>RushHour</a:t>
+              <a:t>Rush Hour</a:t>
             </a:r>
             <a:endParaRPr lang="nl-NL" dirty="0"/>
           </a:p>
@@ -5052,11 +5053,7 @@
           <a:bodyPr/>
           <a:lstStyle/>
           <a:p>
-            <a:r>
-              <a:rPr lang="nl-NL" dirty="0" smtClean="0"/>
-              <a:t>Billy Griep, Jan Elders, Floris Tienhuis</a:t>
-            </a:r>
-            <a:endParaRPr lang="nl-NL" dirty="0"/>
+            <a:endParaRPr lang="nl-NL"/>
           </a:p>
         </p:txBody>
       </p:sp>
@@ -5102,7 +5099,7 @@
           <a:p>
             <a:r>
               <a:rPr lang="nl-NL" dirty="0" smtClean="0"/>
-              <a:t>Het Spel</a:t>
+              <a:t>Herhaling</a:t>
             </a:r>
             <a:endParaRPr lang="nl-NL" dirty="0"/>
           </a:p>
@@ -5110,25 +5107,23 @@
       </p:sp>
       <p:pic>
         <p:nvPicPr>
-          <p:cNvPr id="1026" name="Picture 2"/>
+          <p:cNvPr id="27650" name="Picture 2"/>
           <p:cNvPicPr>
-            <a:picLocks noGrp="1" noChangeAspect="1" noChangeArrowheads="1"/>
+            <a:picLocks noChangeAspect="1" noChangeArrowheads="1"/>
           </p:cNvPicPr>
-          <p:nvPr>
-            <p:ph sz="quarter" idx="1"/>
-          </p:nvPr>
+          <p:nvPr/>
         </p:nvPicPr>
         <p:blipFill>
           <a:blip r:embed="rId2"/>
-          <a:srcRect l="28316" t="11716" r="27678" b="8352"/>
+          <a:srcRect l="28125" t="23958" r="41406" b="18750"/>
           <a:stretch>
             <a:fillRect/>
           </a:stretch>
         </p:blipFill>
         <p:spPr bwMode="auto">
           <a:xfrm>
-            <a:off x="2071670" y="1427183"/>
-            <a:ext cx="4929222" cy="5036379"/>
+            <a:off x="2214546" y="1428736"/>
+            <a:ext cx="4857784" cy="5138041"/>
           </a:xfrm>
           <a:prstGeom prst="rect">
             <a:avLst/>
@@ -5185,15 +5180,34 @@
           <a:p>
             <a:r>
               <a:rPr lang="nl-NL" dirty="0" smtClean="0"/>
-              <a:t>De Input</a:t>
-            </a:r>
+              <a:t>Random Algoritme 6x6 Boord</a:t>
+            </a:r>
+            <a:endParaRPr lang="nl-NL" dirty="0"/>
+          </a:p>
+        </p:txBody>
+      </p:sp>
+      <p:sp>
+        <p:nvSpPr>
+          <p:cNvPr id="3" name="Content Placeholder 2"/>
+          <p:cNvSpPr>
+            <a:spLocks noGrp="1"/>
+          </p:cNvSpPr>
+          <p:nvPr>
+            <p:ph sz="quarter" idx="1"/>
+          </p:nvPr>
+        </p:nvSpPr>
+        <p:spPr/>
+        <p:txBody>
+          <a:bodyPr/>
+          <a:lstStyle/>
+          <a:p>
             <a:endParaRPr lang="nl-NL" dirty="0"/>
           </a:p>
         </p:txBody>
       </p:sp>
       <p:pic>
         <p:nvPicPr>
-          <p:cNvPr id="2051" name="Picture 3"/>
+          <p:cNvPr id="1027" name="Picture 3"/>
           <p:cNvPicPr>
             <a:picLocks noChangeAspect="1" noChangeArrowheads="1"/>
           </p:cNvPicPr>
@@ -5201,15 +5215,15 @@
         </p:nvPicPr>
         <p:blipFill>
           <a:blip r:embed="rId2"/>
-          <a:srcRect l="28125" t="22916" r="41406" b="18750"/>
+          <a:srcRect l="9375" t="11458" r="7421" b="12500"/>
           <a:stretch>
             <a:fillRect/>
           </a:stretch>
         </p:blipFill>
         <p:spPr bwMode="auto">
           <a:xfrm>
-            <a:off x="4572000" y="1928802"/>
-            <a:ext cx="3714776" cy="4000528"/>
+            <a:off x="857224" y="1357298"/>
+            <a:ext cx="6786610" cy="4809927"/>
           </a:xfrm>
           <a:prstGeom prst="rect">
             <a:avLst/>
@@ -5224,39 +5238,36 @@
           <a:effectLst/>
         </p:spPr>
       </p:pic>
-      <p:pic>
-        <p:nvPicPr>
-          <p:cNvPr id="2052" name="Picture 4"/>
-          <p:cNvPicPr>
-            <a:picLocks noChangeAspect="1" noChangeArrowheads="1"/>
-          </p:cNvPicPr>
+      <p:sp>
+        <p:nvSpPr>
+          <p:cNvPr id="6" name="TextBox 5"/>
+          <p:cNvSpPr txBox="1"/>
           <p:nvPr/>
-        </p:nvPicPr>
-        <p:blipFill>
-          <a:blip r:embed="rId3"/>
-          <a:srcRect t="18750" r="86328" b="46875"/>
-          <a:stretch>
-            <a:fillRect/>
-          </a:stretch>
-        </p:blipFill>
-        <p:spPr bwMode="auto">
-          <a:xfrm>
-            <a:off x="642910" y="1785926"/>
-            <a:ext cx="3000396" cy="4243526"/>
+        </p:nvSpPr>
+        <p:spPr>
+          <a:xfrm>
+            <a:off x="3357554" y="6143644"/>
+            <a:ext cx="3500462" cy="369332"/>
           </a:xfrm>
           <a:prstGeom prst="rect">
             <a:avLst/>
           </a:prstGeom>
           <a:noFill/>
-          <a:ln w="9525">
-            <a:noFill/>
-            <a:miter lim="800000"/>
-            <a:headEnd/>
-            <a:tailEnd/>
-          </a:ln>
-          <a:effectLst/>
-        </p:spPr>
-      </p:pic>
+        </p:spPr>
+        <p:txBody>
+          <a:bodyPr wrap="square" rtlCol="0">
+            <a:spAutoFit/>
+          </a:bodyPr>
+          <a:lstStyle/>
+          <a:p>
+            <a:r>
+              <a:rPr lang="nl-NL" dirty="0" smtClean="0"/>
+              <a:t>Median: 48</a:t>
+            </a:r>
+            <a:endParaRPr lang="nl-NL" dirty="0"/>
+          </a:p>
+        </p:txBody>
+      </p:sp>
     </p:spTree>
   </p:cSld>
   <p:clrMapOvr>
@@ -5299,15 +5310,34 @@
           <a:p>
             <a:r>
               <a:rPr lang="nl-NL" dirty="0" smtClean="0"/>
-              <a:t>Car Class</a:t>
-            </a:r>
+              <a:t>Random Algoritme 9x9 Boord</a:t>
+            </a:r>
+            <a:endParaRPr lang="nl-NL" dirty="0"/>
+          </a:p>
+        </p:txBody>
+      </p:sp>
+      <p:sp>
+        <p:nvSpPr>
+          <p:cNvPr id="3" name="Content Placeholder 2"/>
+          <p:cNvSpPr>
+            <a:spLocks noGrp="1"/>
+          </p:cNvSpPr>
+          <p:nvPr>
+            <p:ph sz="quarter" idx="1"/>
+          </p:nvPr>
+        </p:nvSpPr>
+        <p:spPr/>
+        <p:txBody>
+          <a:bodyPr/>
+          <a:lstStyle/>
+          <a:p>
             <a:endParaRPr lang="nl-NL" dirty="0"/>
           </a:p>
         </p:txBody>
       </p:sp>
       <p:pic>
         <p:nvPicPr>
-          <p:cNvPr id="3074" name="Picture 2"/>
+          <p:cNvPr id="5" name="Picture 2"/>
           <p:cNvPicPr>
             <a:picLocks noChangeAspect="1" noChangeArrowheads="1"/>
           </p:cNvPicPr>
@@ -5315,15 +5345,15 @@
         </p:nvPicPr>
         <p:blipFill>
           <a:blip r:embed="rId2"/>
-          <a:srcRect l="22266" t="17708" r="47851" b="56250"/>
+          <a:srcRect l="9375" t="12500" r="8007" b="12500"/>
           <a:stretch>
             <a:fillRect/>
           </a:stretch>
         </p:blipFill>
         <p:spPr bwMode="auto">
           <a:xfrm>
-            <a:off x="785786" y="2071678"/>
-            <a:ext cx="6643734" cy="3256732"/>
+            <a:off x="785786" y="1571612"/>
+            <a:ext cx="7803986" cy="4572032"/>
           </a:xfrm>
           <a:prstGeom prst="rect">
             <a:avLst/>
@@ -5338,6 +5368,36 @@
           <a:effectLst/>
         </p:spPr>
       </p:pic>
+      <p:sp>
+        <p:nvSpPr>
+          <p:cNvPr id="7" name="TextBox 6"/>
+          <p:cNvSpPr txBox="1"/>
+          <p:nvPr/>
+        </p:nvSpPr>
+        <p:spPr>
+          <a:xfrm>
+            <a:off x="3357554" y="6143644"/>
+            <a:ext cx="3500462" cy="369332"/>
+          </a:xfrm>
+          <a:prstGeom prst="rect">
+            <a:avLst/>
+          </a:prstGeom>
+          <a:noFill/>
+        </p:spPr>
+        <p:txBody>
+          <a:bodyPr wrap="square" rtlCol="0">
+            <a:spAutoFit/>
+          </a:bodyPr>
+          <a:lstStyle/>
+          <a:p>
+            <a:r>
+              <a:rPr lang="nl-NL" dirty="0" smtClean="0"/>
+              <a:t>Median: 6419</a:t>
+            </a:r>
+            <a:endParaRPr lang="nl-NL" dirty="0"/>
+          </a:p>
+        </p:txBody>
+      </p:sp>
     </p:spTree>
   </p:cSld>
   <p:clrMapOvr>
@@ -5380,7 +5440,56 @@
           <a:p>
             <a:r>
               <a:rPr lang="nl-NL" dirty="0" smtClean="0"/>
-              <a:t>Board Class</a:t>
+              <a:t>Random Algoritme 12x12 Boord</a:t>
+            </a:r>
+            <a:endParaRPr lang="nl-NL" dirty="0"/>
+          </a:p>
+        </p:txBody>
+      </p:sp>
+      <p:sp>
+        <p:nvSpPr>
+          <p:cNvPr id="3" name="Content Placeholder 2"/>
+          <p:cNvSpPr>
+            <a:spLocks noGrp="1"/>
+          </p:cNvSpPr>
+          <p:nvPr>
+            <p:ph sz="quarter" idx="1"/>
+          </p:nvPr>
+        </p:nvSpPr>
+        <p:spPr/>
+        <p:txBody>
+          <a:bodyPr/>
+          <a:lstStyle/>
+          <a:p>
+            <a:endParaRPr lang="nl-NL" dirty="0"/>
+          </a:p>
+        </p:txBody>
+      </p:sp>
+      <p:sp>
+        <p:nvSpPr>
+          <p:cNvPr id="7" name="TextBox 6"/>
+          <p:cNvSpPr txBox="1"/>
+          <p:nvPr/>
+        </p:nvSpPr>
+        <p:spPr>
+          <a:xfrm>
+            <a:off x="3357554" y="6143644"/>
+            <a:ext cx="3500462" cy="369332"/>
+          </a:xfrm>
+          <a:prstGeom prst="rect">
+            <a:avLst/>
+          </a:prstGeom>
+          <a:noFill/>
+        </p:spPr>
+        <p:txBody>
+          <a:bodyPr wrap="square" rtlCol="0">
+            <a:spAutoFit/>
+          </a:bodyPr>
+          <a:lstStyle/>
+          <a:p>
+            <a:r>
+              <a:rPr lang="nl-NL" dirty="0" smtClean="0"/>
+              <a:t>Median: 13149</a:t>
             </a:r>
             <a:endParaRPr lang="nl-NL" dirty="0"/>
           </a:p>
@@ -5388,25 +5497,23 @@
       </p:sp>
       <p:pic>
         <p:nvPicPr>
-          <p:cNvPr id="4" name="Content Placeholder 3"/>
+          <p:cNvPr id="29698" name="Picture 2"/>
           <p:cNvPicPr>
-            <a:picLocks noGrp="1" noChangeAspect="1" noChangeArrowheads="1"/>
+            <a:picLocks noChangeAspect="1" noChangeArrowheads="1"/>
           </p:cNvPicPr>
-          <p:nvPr>
-            <p:ph sz="quarter" idx="1"/>
-          </p:nvPr>
+          <p:nvPr/>
         </p:nvPicPr>
         <p:blipFill>
           <a:blip r:embed="rId2"/>
-          <a:srcRect l="21875" t="20833" r="35937" b="22917"/>
+          <a:srcRect l="9375" t="11458" r="8593" b="12500"/>
           <a:stretch>
             <a:fillRect/>
           </a:stretch>
         </p:blipFill>
         <p:spPr bwMode="auto">
           <a:xfrm>
-            <a:off x="1104863" y="1722437"/>
-            <a:ext cx="6172273" cy="4629150"/>
+            <a:off x="285720" y="1643050"/>
+            <a:ext cx="8465860" cy="4414341"/>
           </a:xfrm>
           <a:prstGeom prst="rect">
             <a:avLst/>
@@ -5463,45 +5570,116 @@
           <a:p>
             <a:r>
               <a:rPr lang="nl-NL" dirty="0" smtClean="0"/>
-              <a:t>Read Input</a:t>
+              <a:t>BFS</a:t>
             </a:r>
             <a:endParaRPr lang="nl-NL" dirty="0"/>
           </a:p>
         </p:txBody>
       </p:sp>
-      <p:pic>
-        <p:nvPicPr>
-          <p:cNvPr id="4098" name="Picture 2"/>
-          <p:cNvPicPr>
-            <a:picLocks noChangeAspect="1" noChangeArrowheads="1"/>
-          </p:cNvPicPr>
-          <p:nvPr/>
-        </p:nvPicPr>
-        <p:blipFill>
-          <a:blip r:embed="rId2"/>
-          <a:srcRect l="21680" t="41667" r="41992" b="10416"/>
-          <a:stretch>
-            <a:fillRect/>
-          </a:stretch>
-        </p:blipFill>
-        <p:spPr bwMode="auto">
-          <a:xfrm>
-            <a:off x="1500166" y="1714488"/>
-            <a:ext cx="6258590" cy="4643470"/>
-          </a:xfrm>
-          <a:prstGeom prst="rect">
-            <a:avLst/>
-          </a:prstGeom>
-          <a:noFill/>
-          <a:ln w="9525">
-            <a:noFill/>
-            <a:miter lim="800000"/>
-            <a:headEnd/>
-            <a:tailEnd/>
-          </a:ln>
-          <a:effectLst/>
-        </p:spPr>
-      </p:pic>
+    </p:spTree>
+  </p:cSld>
+  <p:clrMapOvr>
+    <a:masterClrMapping/>
+  </p:clrMapOvr>
+</p:sld>
+</file>
+
+<file path=ppt/slides/slide7.xml><?xml version="1.0" encoding="utf-8"?>
+<p:sld xmlns:a="http://schemas.openxmlformats.org/drawingml/2006/main" xmlns:r="http://schemas.openxmlformats.org/officeDocument/2006/relationships" xmlns:p="http://schemas.openxmlformats.org/presentationml/2006/main">
+  <p:cSld>
+    <p:spTree>
+      <p:nvGrpSpPr>
+        <p:cNvPr id="1" name=""/>
+        <p:cNvGrpSpPr/>
+        <p:nvPr/>
+      </p:nvGrpSpPr>
+      <p:grpSpPr>
+        <a:xfrm>
+          <a:off x="0" y="0"/>
+          <a:ext cx="0" cy="0"/>
+          <a:chOff x="0" y="0"/>
+          <a:chExt cx="0" cy="0"/>
+        </a:xfrm>
+      </p:grpSpPr>
+      <p:sp>
+        <p:nvSpPr>
+          <p:cNvPr id="2" name="Title 1"/>
+          <p:cNvSpPr>
+            <a:spLocks noGrp="1"/>
+          </p:cNvSpPr>
+          <p:nvPr>
+            <p:ph type="title"/>
+          </p:nvPr>
+        </p:nvSpPr>
+        <p:spPr/>
+        <p:txBody>
+          <a:bodyPr/>
+          <a:lstStyle/>
+          <a:p>
+            <a:r>
+              <a:rPr lang="nl-NL" dirty="0" smtClean="0"/>
+              <a:t>Nog te doen	</a:t>
+            </a:r>
+            <a:endParaRPr lang="nl-NL" dirty="0"/>
+          </a:p>
+        </p:txBody>
+      </p:sp>
+      <p:sp>
+        <p:nvSpPr>
+          <p:cNvPr id="3" name="Content Placeholder 2"/>
+          <p:cNvSpPr>
+            <a:spLocks noGrp="1"/>
+          </p:cNvSpPr>
+          <p:nvPr>
+            <p:ph sz="quarter" idx="1"/>
+          </p:nvPr>
+        </p:nvSpPr>
+        <p:spPr/>
+        <p:txBody>
+          <a:bodyPr/>
+          <a:lstStyle/>
+          <a:p>
+            <a:r>
+              <a:rPr lang="nl-NL" dirty="0" smtClean="0"/>
+              <a:t>BFS afmaken en kijken of we het algoritme efficienter kunnen laten lopen</a:t>
+            </a:r>
+          </a:p>
+          <a:p>
+            <a:endParaRPr lang="nl-NL" dirty="0" smtClean="0"/>
+          </a:p>
+          <a:p>
+            <a:endParaRPr lang="nl-NL" dirty="0" smtClean="0"/>
+          </a:p>
+          <a:p>
+            <a:r>
+              <a:rPr lang="nl-NL" dirty="0" smtClean="0"/>
+              <a:t>DFS implementeren</a:t>
+            </a:r>
+          </a:p>
+          <a:p>
+            <a:endParaRPr lang="nl-NL" dirty="0" smtClean="0"/>
+          </a:p>
+          <a:p>
+            <a:endParaRPr lang="nl-NL" dirty="0" smtClean="0"/>
+          </a:p>
+          <a:p>
+            <a:r>
+              <a:rPr lang="nl-NL" dirty="0" smtClean="0"/>
+              <a:t>Analyse maken die beide methodes vergelijkt in termen van snelheid en efficientie</a:t>
+            </a:r>
+            <a:endParaRPr lang="nl-NL" dirty="0" smtClean="0"/>
+          </a:p>
+          <a:p>
+            <a:endParaRPr lang="nl-NL" dirty="0" smtClean="0"/>
+          </a:p>
+          <a:p>
+            <a:pPr>
+              <a:buNone/>
+            </a:pPr>
+            <a:endParaRPr lang="nl-NL" dirty="0"/>
+          </a:p>
+        </p:txBody>
+      </p:sp>
     </p:spTree>
   </p:cSld>
   <p:clrMapOvr>

--- a/RushHour.pptx
+++ b/RushHour.pptx
@@ -10,8 +10,9 @@
     <p:sldId id="257" r:id="rId4"/>
     <p:sldId id="258" r:id="rId5"/>
     <p:sldId id="262" r:id="rId6"/>
-    <p:sldId id="260" r:id="rId7"/>
-    <p:sldId id="261" r:id="rId8"/>
+    <p:sldId id="263" r:id="rId7"/>
+    <p:sldId id="264" r:id="rId8"/>
+    <p:sldId id="261" r:id="rId9"/>
   </p:sldIdLst>
   <p:sldSz cx="9144000" cy="6858000" type="screen4x3"/>
   <p:notesSz cx="6858000" cy="9144000"/>
@@ -110,7 +111,35 @@
       </a:defRPr>
     </a:lvl9pPr>
   </p:defaultTextStyle>
+  <p:extLst>
+    <p:ext uri="{EFAFB233-063F-42B5-8137-9DF3F51BA10A}">
+      <p15:sldGuideLst xmlns:p15="http://schemas.microsoft.com/office/powerpoint/2012/main">
+        <p15:guide id="1" orient="horz" pos="2160">
+          <p15:clr>
+            <a:srgbClr val="A4A3A4"/>
+          </p15:clr>
+        </p15:guide>
+        <p15:guide id="2" pos="2880">
+          <p15:clr>
+            <a:srgbClr val="A4A3A4"/>
+          </p15:clr>
+        </p15:guide>
+      </p15:sldGuideLst>
+    </p:ext>
+  </p:extLst>
 </p:presentation>
+</file>
+
+<file path=ppt/commentAuthors.xml><?xml version="1.0" encoding="utf-8"?>
+<p:cmAuthorLst xmlns:a="http://schemas.openxmlformats.org/drawingml/2006/main" xmlns:r="http://schemas.openxmlformats.org/officeDocument/2006/relationships" xmlns:p="http://schemas.openxmlformats.org/presentationml/2006/main">
+  <p:cmAuthor id="1" name="Jan Elders" initials="JE" lastIdx="1" clrIdx="0">
+    <p:extLst>
+      <p:ext uri="{19B8F6BF-5375-455C-9EA6-DF929625EA0E}">
+        <p15:presenceInfo xmlns:p15="http://schemas.microsoft.com/office/powerpoint/2012/main" userId="ae4a116a71e5db7b" providerId="Windows Live"/>
+      </p:ext>
+    </p:extLst>
+  </p:cmAuthor>
+</p:cmAuthorLst>
 </file>
 
 <file path=ppt/slideLayouts/slideLayout1.xml><?xml version="1.0" encoding="utf-8"?>
@@ -160,10 +189,9 @@
           </a:lstStyle>
           <a:p>
             <a:r>
-              <a:rPr kumimoji="0" lang="en-US" smtClean="0"/>
+              <a:rPr kumimoji="0" lang="en-US"/>
               <a:t>Click to edit Master title style</a:t>
             </a:r>
-            <a:endParaRPr kumimoji="0" lang="en-US"/>
           </a:p>
         </p:txBody>
       </p:sp>
@@ -221,10 +249,9 @@
           </a:lstStyle>
           <a:p>
             <a:r>
-              <a:rPr kumimoji="0" lang="en-US" smtClean="0"/>
+              <a:rPr kumimoji="0" lang="en-US"/>
               <a:t>Click to edit Master subtitle style</a:t>
             </a:r>
-            <a:endParaRPr kumimoji="0" lang="en-US"/>
           </a:p>
         </p:txBody>
       </p:sp>
@@ -250,7 +277,7 @@
           <a:p>
             <a:fld id="{C8F29507-750A-4918-B9AF-C5FB9FCFA07D}" type="datetimeFigureOut">
               <a:rPr lang="nl-NL" smtClean="0"/>
-              <a:t>12-1-2020</a:t>
+              <a:t>13-1-2020</a:t>
             </a:fld>
             <a:endParaRPr lang="nl-NL"/>
           </a:p>
@@ -1043,10 +1070,9 @@
           <a:lstStyle/>
           <a:p>
             <a:r>
-              <a:rPr kumimoji="0" lang="en-US" smtClean="0"/>
+              <a:rPr kumimoji="0" lang="en-US"/>
               <a:t>Click to edit Master title style</a:t>
             </a:r>
-            <a:endParaRPr kumimoji="0" lang="en-US"/>
           </a:p>
         </p:txBody>
       </p:sp>
@@ -1067,35 +1093,35 @@
           <a:p>
             <a:pPr lvl="0" eaLnBrk="1" latinLnBrk="0" hangingPunct="1"/>
             <a:r>
-              <a:rPr lang="en-US" smtClean="0"/>
+              <a:rPr lang="en-US"/>
               <a:t>Click to edit Master text styles</a:t>
             </a:r>
           </a:p>
           <a:p>
             <a:pPr lvl="1" eaLnBrk="1" latinLnBrk="0" hangingPunct="1"/>
             <a:r>
-              <a:rPr lang="en-US" smtClean="0"/>
+              <a:rPr lang="en-US"/>
               <a:t>Second level</a:t>
             </a:r>
           </a:p>
           <a:p>
             <a:pPr lvl="2" eaLnBrk="1" latinLnBrk="0" hangingPunct="1"/>
             <a:r>
-              <a:rPr lang="en-US" smtClean="0"/>
+              <a:rPr lang="en-US"/>
               <a:t>Third level</a:t>
             </a:r>
           </a:p>
           <a:p>
             <a:pPr lvl="3" eaLnBrk="1" latinLnBrk="0" hangingPunct="1"/>
             <a:r>
-              <a:rPr lang="en-US" smtClean="0"/>
+              <a:rPr lang="en-US"/>
               <a:t>Fourth level</a:t>
             </a:r>
           </a:p>
           <a:p>
             <a:pPr lvl="4" eaLnBrk="1" latinLnBrk="0" hangingPunct="1"/>
             <a:r>
-              <a:rPr lang="en-US" smtClean="0"/>
+              <a:rPr lang="en-US"/>
               <a:t>Fifth level</a:t>
             </a:r>
             <a:endParaRPr kumimoji="0" lang="en-US"/>
@@ -1119,7 +1145,7 @@
           <a:p>
             <a:fld id="{C8F29507-750A-4918-B9AF-C5FB9FCFA07D}" type="datetimeFigureOut">
               <a:rPr lang="nl-NL" smtClean="0"/>
-              <a:t>12-1-2020</a:t>
+              <a:t>13-1-2020</a:t>
             </a:fld>
             <a:endParaRPr lang="nl-NL"/>
           </a:p>
@@ -1213,10 +1239,9 @@
           <a:lstStyle/>
           <a:p>
             <a:r>
-              <a:rPr kumimoji="0" lang="en-US" smtClean="0"/>
+              <a:rPr kumimoji="0" lang="en-US"/>
               <a:t>Click to edit Master title style</a:t>
             </a:r>
-            <a:endParaRPr kumimoji="0" lang="en-US"/>
           </a:p>
         </p:txBody>
       </p:sp>
@@ -1242,35 +1267,35 @@
           <a:p>
             <a:pPr lvl="0" eaLnBrk="1" latinLnBrk="0" hangingPunct="1"/>
             <a:r>
-              <a:rPr lang="en-US" smtClean="0"/>
+              <a:rPr lang="en-US"/>
               <a:t>Click to edit Master text styles</a:t>
             </a:r>
           </a:p>
           <a:p>
             <a:pPr lvl="1" eaLnBrk="1" latinLnBrk="0" hangingPunct="1"/>
             <a:r>
-              <a:rPr lang="en-US" smtClean="0"/>
+              <a:rPr lang="en-US"/>
               <a:t>Second level</a:t>
             </a:r>
           </a:p>
           <a:p>
             <a:pPr lvl="2" eaLnBrk="1" latinLnBrk="0" hangingPunct="1"/>
             <a:r>
-              <a:rPr lang="en-US" smtClean="0"/>
+              <a:rPr lang="en-US"/>
               <a:t>Third level</a:t>
             </a:r>
           </a:p>
           <a:p>
             <a:pPr lvl="3" eaLnBrk="1" latinLnBrk="0" hangingPunct="1"/>
             <a:r>
-              <a:rPr lang="en-US" smtClean="0"/>
+              <a:rPr lang="en-US"/>
               <a:t>Fourth level</a:t>
             </a:r>
           </a:p>
           <a:p>
             <a:pPr lvl="4" eaLnBrk="1" latinLnBrk="0" hangingPunct="1"/>
             <a:r>
-              <a:rPr lang="en-US" smtClean="0"/>
+              <a:rPr lang="en-US"/>
               <a:t>Fifth level</a:t>
             </a:r>
             <a:endParaRPr kumimoji="0" lang="en-US"/>
@@ -1294,7 +1319,7 @@
           <a:p>
             <a:fld id="{C8F29507-750A-4918-B9AF-C5FB9FCFA07D}" type="datetimeFigureOut">
               <a:rPr lang="nl-NL" smtClean="0"/>
-              <a:t>12-1-2020</a:t>
+              <a:t>13-1-2020</a:t>
             </a:fld>
             <a:endParaRPr lang="nl-NL"/>
           </a:p>
@@ -1383,10 +1408,9 @@
           <a:lstStyle/>
           <a:p>
             <a:r>
-              <a:rPr kumimoji="0" lang="en-US" smtClean="0"/>
+              <a:rPr kumimoji="0" lang="en-US"/>
               <a:t>Click to edit Master title style</a:t>
             </a:r>
-            <a:endParaRPr kumimoji="0" lang="en-US"/>
           </a:p>
         </p:txBody>
       </p:sp>
@@ -1412,35 +1436,35 @@
           <a:p>
             <a:pPr lvl="0" eaLnBrk="1" latinLnBrk="0" hangingPunct="1"/>
             <a:r>
-              <a:rPr lang="en-US" smtClean="0"/>
+              <a:rPr lang="en-US"/>
               <a:t>Click to edit Master text styles</a:t>
             </a:r>
           </a:p>
           <a:p>
             <a:pPr lvl="1" eaLnBrk="1" latinLnBrk="0" hangingPunct="1"/>
             <a:r>
-              <a:rPr lang="en-US" smtClean="0"/>
+              <a:rPr lang="en-US"/>
               <a:t>Second level</a:t>
             </a:r>
           </a:p>
           <a:p>
             <a:pPr lvl="2" eaLnBrk="1" latinLnBrk="0" hangingPunct="1"/>
             <a:r>
-              <a:rPr lang="en-US" smtClean="0"/>
+              <a:rPr lang="en-US"/>
               <a:t>Third level</a:t>
             </a:r>
           </a:p>
           <a:p>
             <a:pPr lvl="3" eaLnBrk="1" latinLnBrk="0" hangingPunct="1"/>
             <a:r>
-              <a:rPr lang="en-US" smtClean="0"/>
+              <a:rPr lang="en-US"/>
               <a:t>Fourth level</a:t>
             </a:r>
           </a:p>
           <a:p>
             <a:pPr lvl="4" eaLnBrk="1" latinLnBrk="0" hangingPunct="1"/>
             <a:r>
-              <a:rPr lang="en-US" smtClean="0"/>
+              <a:rPr lang="en-US"/>
               <a:t>Fifth level</a:t>
             </a:r>
             <a:endParaRPr kumimoji="0" lang="en-US"/>
@@ -1464,7 +1488,7 @@
           <a:p>
             <a:fld id="{C8F29507-750A-4918-B9AF-C5FB9FCFA07D}" type="datetimeFigureOut">
               <a:rPr lang="nl-NL" smtClean="0"/>
-              <a:t>12-1-2020</a:t>
+              <a:t>13-1-2020</a:t>
             </a:fld>
             <a:endParaRPr lang="nl-NL"/>
           </a:p>
@@ -1568,10 +1592,9 @@
           </a:lstStyle>
           <a:p>
             <a:r>
-              <a:rPr kumimoji="0" lang="en-US" smtClean="0"/>
+              <a:rPr kumimoji="0" lang="en-US"/>
               <a:t>Click to edit Master title style</a:t>
             </a:r>
-            <a:endParaRPr kumimoji="0" lang="en-US"/>
           </a:p>
         </p:txBody>
       </p:sp>
@@ -1646,7 +1669,7 @@
           <a:p>
             <a:pPr lvl="0" eaLnBrk="1" latinLnBrk="0" hangingPunct="1"/>
             <a:r>
-              <a:rPr kumimoji="0" lang="en-US" smtClean="0"/>
+              <a:rPr kumimoji="0" lang="en-US"/>
               <a:t>Click to edit Master text styles</a:t>
             </a:r>
           </a:p>
@@ -1674,7 +1697,7 @@
           <a:p>
             <a:fld id="{C8F29507-750A-4918-B9AF-C5FB9FCFA07D}" type="datetimeFigureOut">
               <a:rPr lang="nl-NL" smtClean="0"/>
-              <a:t>12-1-2020</a:t>
+              <a:t>13-1-2020</a:t>
             </a:fld>
             <a:endParaRPr lang="nl-NL"/>
           </a:p>
@@ -2464,10 +2487,9 @@
           <a:lstStyle/>
           <a:p>
             <a:r>
-              <a:rPr kumimoji="0" lang="en-US" smtClean="0"/>
+              <a:rPr kumimoji="0" lang="en-US"/>
               <a:t>Click to edit Master title style</a:t>
             </a:r>
-            <a:endParaRPr kumimoji="0" lang="en-US"/>
           </a:p>
         </p:txBody>
       </p:sp>
@@ -2488,7 +2510,7 @@
           <a:p>
             <a:fld id="{C8F29507-750A-4918-B9AF-C5FB9FCFA07D}" type="datetimeFigureOut">
               <a:rPr lang="nl-NL" smtClean="0"/>
-              <a:t>12-1-2020</a:t>
+              <a:t>13-1-2020</a:t>
             </a:fld>
             <a:endParaRPr lang="nl-NL"/>
           </a:p>
@@ -2558,35 +2580,35 @@
           <a:p>
             <a:pPr lvl="0" eaLnBrk="1" latinLnBrk="0" hangingPunct="1"/>
             <a:r>
-              <a:rPr lang="en-US" smtClean="0"/>
+              <a:rPr lang="en-US"/>
               <a:t>Click to edit Master text styles</a:t>
             </a:r>
           </a:p>
           <a:p>
             <a:pPr lvl="1" eaLnBrk="1" latinLnBrk="0" hangingPunct="1"/>
             <a:r>
-              <a:rPr lang="en-US" smtClean="0"/>
+              <a:rPr lang="en-US"/>
               <a:t>Second level</a:t>
             </a:r>
           </a:p>
           <a:p>
             <a:pPr lvl="2" eaLnBrk="1" latinLnBrk="0" hangingPunct="1"/>
             <a:r>
-              <a:rPr lang="en-US" smtClean="0"/>
+              <a:rPr lang="en-US"/>
               <a:t>Third level</a:t>
             </a:r>
           </a:p>
           <a:p>
             <a:pPr lvl="3" eaLnBrk="1" latinLnBrk="0" hangingPunct="1"/>
             <a:r>
-              <a:rPr lang="en-US" smtClean="0"/>
+              <a:rPr lang="en-US"/>
               <a:t>Fourth level</a:t>
             </a:r>
           </a:p>
           <a:p>
             <a:pPr lvl="4" eaLnBrk="1" latinLnBrk="0" hangingPunct="1"/>
             <a:r>
-              <a:rPr lang="en-US" smtClean="0"/>
+              <a:rPr lang="en-US"/>
               <a:t>Fifth level</a:t>
             </a:r>
             <a:endParaRPr kumimoji="0" lang="en-US"/>
@@ -2615,35 +2637,35 @@
           <a:p>
             <a:pPr lvl="0" eaLnBrk="1" latinLnBrk="0" hangingPunct="1"/>
             <a:r>
-              <a:rPr lang="en-US" smtClean="0"/>
+              <a:rPr lang="en-US"/>
               <a:t>Click to edit Master text styles</a:t>
             </a:r>
           </a:p>
           <a:p>
             <a:pPr lvl="1" eaLnBrk="1" latinLnBrk="0" hangingPunct="1"/>
             <a:r>
-              <a:rPr lang="en-US" smtClean="0"/>
+              <a:rPr lang="en-US"/>
               <a:t>Second level</a:t>
             </a:r>
           </a:p>
           <a:p>
             <a:pPr lvl="2" eaLnBrk="1" latinLnBrk="0" hangingPunct="1"/>
             <a:r>
-              <a:rPr lang="en-US" smtClean="0"/>
+              <a:rPr lang="en-US"/>
               <a:t>Third level</a:t>
             </a:r>
           </a:p>
           <a:p>
             <a:pPr lvl="3" eaLnBrk="1" latinLnBrk="0" hangingPunct="1"/>
             <a:r>
-              <a:rPr lang="en-US" smtClean="0"/>
+              <a:rPr lang="en-US"/>
               <a:t>Fourth level</a:t>
             </a:r>
           </a:p>
           <a:p>
             <a:pPr lvl="4" eaLnBrk="1" latinLnBrk="0" hangingPunct="1"/>
             <a:r>
-              <a:rPr lang="en-US" smtClean="0"/>
+              <a:rPr lang="en-US"/>
               <a:t>Fifth level</a:t>
             </a:r>
             <a:endParaRPr kumimoji="0" lang="en-US"/>
@@ -2700,10 +2722,9 @@
           </a:lstStyle>
           <a:p>
             <a:r>
-              <a:rPr kumimoji="0" lang="en-US" smtClean="0"/>
+              <a:rPr kumimoji="0" lang="en-US"/>
               <a:t>Click to edit Master title style</a:t>
             </a:r>
-            <a:endParaRPr kumimoji="0" lang="en-US"/>
           </a:p>
         </p:txBody>
       </p:sp>
@@ -2724,7 +2745,7 @@
           <a:p>
             <a:fld id="{C8F29507-750A-4918-B9AF-C5FB9FCFA07D}" type="datetimeFigureOut">
               <a:rPr lang="nl-NL" smtClean="0"/>
-              <a:t>12-1-2020</a:t>
+              <a:t>13-1-2020</a:t>
             </a:fld>
             <a:endParaRPr lang="nl-NL"/>
           </a:p>
@@ -2794,35 +2815,35 @@
           <a:p>
             <a:pPr lvl="0" eaLnBrk="1" latinLnBrk="0" hangingPunct="1"/>
             <a:r>
-              <a:rPr lang="en-US" smtClean="0"/>
+              <a:rPr lang="en-US"/>
               <a:t>Click to edit Master text styles</a:t>
             </a:r>
           </a:p>
           <a:p>
             <a:pPr lvl="1" eaLnBrk="1" latinLnBrk="0" hangingPunct="1"/>
             <a:r>
-              <a:rPr lang="en-US" smtClean="0"/>
+              <a:rPr lang="en-US"/>
               <a:t>Second level</a:t>
             </a:r>
           </a:p>
           <a:p>
             <a:pPr lvl="2" eaLnBrk="1" latinLnBrk="0" hangingPunct="1"/>
             <a:r>
-              <a:rPr lang="en-US" smtClean="0"/>
+              <a:rPr lang="en-US"/>
               <a:t>Third level</a:t>
             </a:r>
           </a:p>
           <a:p>
             <a:pPr lvl="3" eaLnBrk="1" latinLnBrk="0" hangingPunct="1"/>
             <a:r>
-              <a:rPr lang="en-US" smtClean="0"/>
+              <a:rPr lang="en-US"/>
               <a:t>Fourth level</a:t>
             </a:r>
           </a:p>
           <a:p>
             <a:pPr lvl="4" eaLnBrk="1" latinLnBrk="0" hangingPunct="1"/>
             <a:r>
-              <a:rPr lang="en-US" smtClean="0"/>
+              <a:rPr lang="en-US"/>
               <a:t>Fifth level</a:t>
             </a:r>
             <a:endParaRPr kumimoji="0" lang="en-US"/>
@@ -2851,35 +2872,35 @@
           <a:p>
             <a:pPr lvl="0" eaLnBrk="1" latinLnBrk="0" hangingPunct="1"/>
             <a:r>
-              <a:rPr lang="en-US" smtClean="0"/>
+              <a:rPr lang="en-US"/>
               <a:t>Click to edit Master text styles</a:t>
             </a:r>
           </a:p>
           <a:p>
             <a:pPr lvl="1" eaLnBrk="1" latinLnBrk="0" hangingPunct="1"/>
             <a:r>
-              <a:rPr lang="en-US" smtClean="0"/>
+              <a:rPr lang="en-US"/>
               <a:t>Second level</a:t>
             </a:r>
           </a:p>
           <a:p>
             <a:pPr lvl="2" eaLnBrk="1" latinLnBrk="0" hangingPunct="1"/>
             <a:r>
-              <a:rPr lang="en-US" smtClean="0"/>
+              <a:rPr lang="en-US"/>
               <a:t>Third level</a:t>
             </a:r>
           </a:p>
           <a:p>
             <a:pPr lvl="3" eaLnBrk="1" latinLnBrk="0" hangingPunct="1"/>
             <a:r>
-              <a:rPr lang="en-US" smtClean="0"/>
+              <a:rPr lang="en-US"/>
               <a:t>Fourth level</a:t>
             </a:r>
           </a:p>
           <a:p>
             <a:pPr lvl="4" eaLnBrk="1" latinLnBrk="0" hangingPunct="1"/>
             <a:r>
-              <a:rPr lang="en-US" smtClean="0"/>
+              <a:rPr lang="en-US"/>
               <a:t>Fifth level</a:t>
             </a:r>
             <a:endParaRPr kumimoji="0" lang="en-US"/>
@@ -2928,7 +2949,7 @@
           <a:p>
             <a:pPr lvl="0" eaLnBrk="1" latinLnBrk="0" hangingPunct="1"/>
             <a:r>
-              <a:rPr kumimoji="0" lang="en-US" smtClean="0"/>
+              <a:rPr kumimoji="0" lang="en-US"/>
               <a:t>Click to edit Master text styles</a:t>
             </a:r>
           </a:p>
@@ -2976,7 +2997,7 @@
           <a:p>
             <a:pPr lvl="0" eaLnBrk="1" latinLnBrk="0" hangingPunct="1"/>
             <a:r>
-              <a:rPr kumimoji="0" lang="en-US" smtClean="0"/>
+              <a:rPr kumimoji="0" lang="en-US"/>
               <a:t>Click to edit Master text styles</a:t>
             </a:r>
           </a:p>
@@ -3023,10 +3044,9 @@
           <a:lstStyle/>
           <a:p>
             <a:r>
-              <a:rPr kumimoji="0" lang="en-US" smtClean="0"/>
+              <a:rPr kumimoji="0" lang="en-US"/>
               <a:t>Click to edit Master title style</a:t>
             </a:r>
-            <a:endParaRPr kumimoji="0" lang="en-US"/>
           </a:p>
         </p:txBody>
       </p:sp>
@@ -3047,7 +3067,7 @@
           <a:p>
             <a:fld id="{C8F29507-750A-4918-B9AF-C5FB9FCFA07D}" type="datetimeFigureOut">
               <a:rPr lang="nl-NL" smtClean="0"/>
-              <a:t>12-1-2020</a:t>
+              <a:t>13-1-2020</a:t>
             </a:fld>
             <a:endParaRPr lang="nl-NL"/>
           </a:p>
@@ -3137,7 +3157,7 @@
           <a:p>
             <a:fld id="{C8F29507-750A-4918-B9AF-C5FB9FCFA07D}" type="datetimeFigureOut">
               <a:rPr lang="nl-NL" smtClean="0"/>
-              <a:t>12-1-2020</a:t>
+              <a:t>13-1-2020</a:t>
             </a:fld>
             <a:endParaRPr lang="nl-NL"/>
           </a:p>
@@ -3280,10 +3300,9 @@
           </a:lstStyle>
           <a:p>
             <a:r>
-              <a:rPr kumimoji="0" lang="en-US" smtClean="0"/>
+              <a:rPr kumimoji="0" lang="en-US"/>
               <a:t>Click to edit Master title style</a:t>
             </a:r>
-            <a:endParaRPr kumimoji="0" lang="en-US"/>
           </a:p>
         </p:txBody>
       </p:sp>
@@ -3336,7 +3355,7 @@
           <a:p>
             <a:pPr lvl="0" eaLnBrk="1" latinLnBrk="0" hangingPunct="1"/>
             <a:r>
-              <a:rPr kumimoji="0" lang="en-US" smtClean="0"/>
+              <a:rPr kumimoji="0" lang="en-US"/>
               <a:t>Click to edit Master text styles</a:t>
             </a:r>
           </a:p>
@@ -3602,35 +3621,35 @@
           <a:p>
             <a:pPr lvl="0" eaLnBrk="1" latinLnBrk="0" hangingPunct="1"/>
             <a:r>
-              <a:rPr lang="en-US" smtClean="0"/>
+              <a:rPr lang="en-US"/>
               <a:t>Click to edit Master text styles</a:t>
             </a:r>
           </a:p>
           <a:p>
             <a:pPr lvl="1" eaLnBrk="1" latinLnBrk="0" hangingPunct="1"/>
             <a:r>
-              <a:rPr lang="en-US" smtClean="0"/>
+              <a:rPr lang="en-US"/>
               <a:t>Second level</a:t>
             </a:r>
           </a:p>
           <a:p>
             <a:pPr lvl="2" eaLnBrk="1" latinLnBrk="0" hangingPunct="1"/>
             <a:r>
-              <a:rPr lang="en-US" smtClean="0"/>
+              <a:rPr lang="en-US"/>
               <a:t>Third level</a:t>
             </a:r>
           </a:p>
           <a:p>
             <a:pPr lvl="3" eaLnBrk="1" latinLnBrk="0" hangingPunct="1"/>
             <a:r>
-              <a:rPr lang="en-US" smtClean="0"/>
+              <a:rPr lang="en-US"/>
               <a:t>Fourth level</a:t>
             </a:r>
           </a:p>
           <a:p>
             <a:pPr lvl="4" eaLnBrk="1" latinLnBrk="0" hangingPunct="1"/>
             <a:r>
-              <a:rPr lang="en-US" smtClean="0"/>
+              <a:rPr lang="en-US"/>
               <a:t>Fifth level</a:t>
             </a:r>
             <a:endParaRPr kumimoji="0" lang="en-US"/>
@@ -3654,7 +3673,7 @@
           <a:p>
             <a:fld id="{C8F29507-750A-4918-B9AF-C5FB9FCFA07D}" type="datetimeFigureOut">
               <a:rPr lang="nl-NL" smtClean="0"/>
-              <a:t>12-1-2020</a:t>
+              <a:t>13-1-2020</a:t>
             </a:fld>
             <a:endParaRPr lang="nl-NL"/>
           </a:p>
@@ -3834,10 +3853,9 @@
           </a:lstStyle>
           <a:p>
             <a:r>
-              <a:rPr kumimoji="0" lang="en-US" smtClean="0"/>
+              <a:rPr kumimoji="0" lang="en-US"/>
               <a:t>Click to edit Master title style</a:t>
             </a:r>
-            <a:endParaRPr kumimoji="0" lang="en-US"/>
           </a:p>
         </p:txBody>
       </p:sp>
@@ -3893,7 +3911,7 @@
               <a:buNone/>
             </a:pPr>
             <a:r>
-              <a:rPr kumimoji="0" lang="en-US" smtClean="0"/>
+              <a:rPr kumimoji="0" lang="en-US"/>
               <a:t>Click icon to add picture</a:t>
             </a:r>
             <a:endParaRPr kumimoji="0" lang="en-US" dirty="0"/>
@@ -3948,7 +3966,7 @@
           <a:p>
             <a:pPr lvl="0" eaLnBrk="1" latinLnBrk="0" hangingPunct="1"/>
             <a:r>
-              <a:rPr kumimoji="0" lang="en-US" smtClean="0"/>
+              <a:rPr kumimoji="0" lang="en-US"/>
               <a:t>Click to edit Master text styles</a:t>
             </a:r>
           </a:p>
@@ -4165,7 +4183,7 @@
           <a:p>
             <a:fld id="{C8F29507-750A-4918-B9AF-C5FB9FCFA07D}" type="datetimeFigureOut">
               <a:rPr lang="nl-NL" smtClean="0"/>
-              <a:t>12-1-2020</a:t>
+              <a:t>13-1-2020</a:t>
             </a:fld>
             <a:endParaRPr lang="nl-NL"/>
           </a:p>
@@ -4308,10 +4326,9 @@
           <a:lstStyle/>
           <a:p>
             <a:r>
-              <a:rPr kumimoji="0" lang="en-US" smtClean="0"/>
+              <a:rPr kumimoji="0" lang="en-US"/>
               <a:t>Click to edit Master title style</a:t>
             </a:r>
-            <a:endParaRPr kumimoji="0" lang="en-US"/>
           </a:p>
         </p:txBody>
       </p:sp>
@@ -4342,38 +4359,37 @@
           <a:p>
             <a:pPr lvl="0" eaLnBrk="1" latinLnBrk="0" hangingPunct="1"/>
             <a:r>
-              <a:rPr kumimoji="0" lang="en-US" smtClean="0"/>
+              <a:rPr kumimoji="0" lang="en-US"/>
               <a:t>Click to edit Master text styles</a:t>
             </a:r>
           </a:p>
           <a:p>
             <a:pPr lvl="1" eaLnBrk="1" latinLnBrk="0" hangingPunct="1"/>
             <a:r>
-              <a:rPr kumimoji="0" lang="en-US" smtClean="0"/>
+              <a:rPr kumimoji="0" lang="en-US"/>
               <a:t>Second level</a:t>
             </a:r>
           </a:p>
           <a:p>
             <a:pPr lvl="2" eaLnBrk="1" latinLnBrk="0" hangingPunct="1"/>
             <a:r>
-              <a:rPr kumimoji="0" lang="en-US" smtClean="0"/>
+              <a:rPr kumimoji="0" lang="en-US"/>
               <a:t>Third level</a:t>
             </a:r>
           </a:p>
           <a:p>
             <a:pPr lvl="3" eaLnBrk="1" latinLnBrk="0" hangingPunct="1"/>
             <a:r>
-              <a:rPr kumimoji="0" lang="en-US" smtClean="0"/>
+              <a:rPr kumimoji="0" lang="en-US"/>
               <a:t>Fourth level</a:t>
             </a:r>
           </a:p>
           <a:p>
             <a:pPr lvl="4" eaLnBrk="1" latinLnBrk="0" hangingPunct="1"/>
             <a:r>
-              <a:rPr kumimoji="0" lang="en-US" smtClean="0"/>
+              <a:rPr kumimoji="0" lang="en-US"/>
               <a:t>Fifth level</a:t>
             </a:r>
-            <a:endParaRPr kumimoji="0" lang="en-US"/>
           </a:p>
         </p:txBody>
       </p:sp>
@@ -4410,7 +4426,7 @@
           <a:p>
             <a:fld id="{C8F29507-750A-4918-B9AF-C5FB9FCFA07D}" type="datetimeFigureOut">
               <a:rPr lang="nl-NL" smtClean="0"/>
-              <a:t>12-1-2020</a:t>
+              <a:t>13-1-2020</a:t>
             </a:fld>
             <a:endParaRPr lang="nl-NL"/>
           </a:p>
@@ -5031,10 +5047,9 @@
           <a:lstStyle/>
           <a:p>
             <a:r>
-              <a:rPr lang="nl-NL" dirty="0" smtClean="0"/>
+              <a:rPr lang="nl-NL" dirty="0"/>
               <a:t>Rush Hour</a:t>
             </a:r>
-            <a:endParaRPr lang="nl-NL" dirty="0"/>
           </a:p>
         </p:txBody>
       </p:sp>
@@ -5098,10 +5113,9 @@
           <a:lstStyle/>
           <a:p>
             <a:r>
-              <a:rPr lang="nl-NL" dirty="0" smtClean="0"/>
+              <a:rPr lang="nl-NL" dirty="0"/>
               <a:t>Herhaling</a:t>
             </a:r>
-            <a:endParaRPr lang="nl-NL" dirty="0"/>
           </a:p>
         </p:txBody>
       </p:sp>
@@ -5179,10 +5193,9 @@
           <a:lstStyle/>
           <a:p>
             <a:r>
-              <a:rPr lang="nl-NL" dirty="0" smtClean="0"/>
+              <a:rPr lang="nl-NL" dirty="0"/>
               <a:t>Random Algoritme 6x6 Boord</a:t>
             </a:r>
-            <a:endParaRPr lang="nl-NL" dirty="0"/>
           </a:p>
         </p:txBody>
       </p:sp>
@@ -5261,10 +5274,9 @@
           <a:lstStyle/>
           <a:p>
             <a:r>
-              <a:rPr lang="nl-NL" dirty="0" smtClean="0"/>
+              <a:rPr lang="nl-NL" dirty="0"/>
               <a:t>Median: 48</a:t>
             </a:r>
-            <a:endParaRPr lang="nl-NL" dirty="0"/>
           </a:p>
         </p:txBody>
       </p:sp>
@@ -5309,10 +5321,9 @@
           <a:lstStyle/>
           <a:p>
             <a:r>
-              <a:rPr lang="nl-NL" dirty="0" smtClean="0"/>
+              <a:rPr lang="nl-NL" dirty="0"/>
               <a:t>Random Algoritme 9x9 Boord</a:t>
             </a:r>
-            <a:endParaRPr lang="nl-NL" dirty="0"/>
           </a:p>
         </p:txBody>
       </p:sp>
@@ -5391,10 +5402,9 @@
           <a:lstStyle/>
           <a:p>
             <a:r>
-              <a:rPr lang="nl-NL" dirty="0" smtClean="0"/>
+              <a:rPr lang="nl-NL" dirty="0"/>
               <a:t>Median: 6419</a:t>
             </a:r>
-            <a:endParaRPr lang="nl-NL" dirty="0"/>
           </a:p>
         </p:txBody>
       </p:sp>
@@ -5439,10 +5449,9 @@
           <a:lstStyle/>
           <a:p>
             <a:r>
-              <a:rPr lang="nl-NL" dirty="0" smtClean="0"/>
+              <a:rPr lang="nl-NL" dirty="0"/>
               <a:t>Random Algoritme 12x12 Boord</a:t>
             </a:r>
-            <a:endParaRPr lang="nl-NL" dirty="0"/>
           </a:p>
         </p:txBody>
       </p:sp>
@@ -5488,10 +5497,9 @@
           <a:lstStyle/>
           <a:p>
             <a:r>
-              <a:rPr lang="nl-NL" dirty="0" smtClean="0"/>
+              <a:rPr lang="nl-NL" dirty="0"/>
               <a:t>Median: 13149</a:t>
             </a:r>
-            <a:endParaRPr lang="nl-NL" dirty="0"/>
           </a:p>
         </p:txBody>
       </p:sp>
@@ -5555,7 +5563,13 @@
       </p:grpSpPr>
       <p:sp>
         <p:nvSpPr>
-          <p:cNvPr id="2" name="Title 1"/>
+          <p:cNvPr id="2" name="Title 1">
+            <a:extLst>
+              <a:ext uri="{FF2B5EF4-FFF2-40B4-BE49-F238E27FC236}">
+                <a16:creationId xmlns:a16="http://schemas.microsoft.com/office/drawing/2014/main" id="{0A38AAEF-B595-468E-817B-C26627C3BA1A}"/>
+              </a:ext>
+            </a:extLst>
+          </p:cNvPr>
           <p:cNvSpPr>
             <a:spLocks noGrp="1"/>
           </p:cNvSpPr>
@@ -5569,14 +5583,262 @@
           <a:lstStyle/>
           <a:p>
             <a:r>
-              <a:rPr lang="nl-NL" dirty="0" smtClean="0"/>
-              <a:t>BFS</a:t>
-            </a:r>
-            <a:endParaRPr lang="nl-NL" dirty="0"/>
+              <a:rPr lang="nl-NL" dirty="0" err="1"/>
+              <a:t>Breadth</a:t>
+            </a:r>
+            <a:r>
+              <a:rPr lang="nl-NL" dirty="0"/>
+              <a:t> First Search (BFS)</a:t>
+            </a:r>
+            <a:endParaRPr lang="en-GB" dirty="0"/>
+          </a:p>
+        </p:txBody>
+      </p:sp>
+      <p:sp>
+        <p:nvSpPr>
+          <p:cNvPr id="3" name="Content Placeholder 2">
+            <a:extLst>
+              <a:ext uri="{FF2B5EF4-FFF2-40B4-BE49-F238E27FC236}">
+                <a16:creationId xmlns:a16="http://schemas.microsoft.com/office/drawing/2014/main" id="{2ABA9DB0-6EED-4378-9C4A-C07345B5F771}"/>
+              </a:ext>
+            </a:extLst>
+          </p:cNvPr>
+          <p:cNvSpPr>
+            <a:spLocks noGrp="1"/>
+          </p:cNvSpPr>
+          <p:nvPr>
+            <p:ph sz="quarter" idx="1"/>
+          </p:nvPr>
+        </p:nvSpPr>
+        <p:spPr/>
+        <p:txBody>
+          <a:bodyPr/>
+          <a:lstStyle/>
+          <a:p>
+            <a:r>
+              <a:rPr lang="nl-NL" dirty="0"/>
+              <a:t>Node class en </a:t>
+            </a:r>
+            <a:r>
+              <a:rPr lang="nl-NL" dirty="0" err="1"/>
+              <a:t>Bfs</a:t>
+            </a:r>
+            <a:r>
+              <a:rPr lang="nl-NL" dirty="0"/>
+              <a:t> class</a:t>
+            </a:r>
+          </a:p>
+          <a:p>
+            <a:r>
+              <a:rPr lang="nl-NL" dirty="0"/>
+              <a:t>Zoek door de </a:t>
+            </a:r>
+            <a:r>
+              <a:rPr lang="nl-NL" dirty="0" err="1"/>
+              <a:t>nodes</a:t>
+            </a:r>
+            <a:r>
+              <a:rPr lang="nl-NL" dirty="0"/>
+              <a:t> voor de oplossing</a:t>
+            </a:r>
+          </a:p>
+          <a:p>
+            <a:r>
+              <a:rPr lang="nl-NL" dirty="0"/>
+              <a:t>Start vanaf root node (startopstelling)</a:t>
+            </a:r>
+          </a:p>
+          <a:p>
+            <a:r>
+              <a:rPr lang="en-GB" dirty="0"/>
+              <a:t>Check of node </a:t>
+            </a:r>
+            <a:r>
+              <a:rPr lang="en-GB" dirty="0" err="1"/>
+              <a:t>oplossing</a:t>
+            </a:r>
+            <a:r>
+              <a:rPr lang="en-GB" dirty="0"/>
+              <a:t> is</a:t>
+            </a:r>
+          </a:p>
+          <a:p>
+            <a:pPr lvl="1"/>
+            <a:r>
+              <a:rPr lang="en-GB" dirty="0"/>
+              <a:t>Zo </a:t>
+            </a:r>
+            <a:r>
+              <a:rPr lang="en-GB" dirty="0" err="1"/>
+              <a:t>niet</a:t>
+            </a:r>
+            <a:r>
+              <a:rPr lang="en-GB" dirty="0"/>
+              <a:t>: </a:t>
+            </a:r>
+            <a:r>
+              <a:rPr lang="en-GB" dirty="0" err="1"/>
+              <a:t>maak</a:t>
+            </a:r>
+            <a:r>
+              <a:rPr lang="en-GB" dirty="0"/>
+              <a:t> de children van de node</a:t>
+            </a:r>
+          </a:p>
+          <a:p>
+            <a:pPr lvl="1"/>
+            <a:r>
+              <a:rPr lang="en-GB" dirty="0" err="1"/>
+              <a:t>Voeg</a:t>
+            </a:r>
+            <a:r>
+              <a:rPr lang="en-GB" dirty="0"/>
+              <a:t> children toe </a:t>
+            </a:r>
+            <a:r>
+              <a:rPr lang="en-GB" dirty="0" err="1"/>
+              <a:t>aan</a:t>
+            </a:r>
+            <a:r>
+              <a:rPr lang="en-GB" dirty="0"/>
+              <a:t> queue</a:t>
+            </a:r>
+          </a:p>
+          <a:p>
+            <a:pPr lvl="1"/>
+            <a:r>
+              <a:rPr lang="en-GB" dirty="0" err="1"/>
+              <a:t>Voeg</a:t>
+            </a:r>
+            <a:r>
+              <a:rPr lang="en-GB" dirty="0"/>
+              <a:t> </a:t>
+            </a:r>
+            <a:r>
+              <a:rPr lang="en-GB" dirty="0" err="1"/>
+              <a:t>gecheckte</a:t>
+            </a:r>
+            <a:r>
+              <a:rPr lang="en-GB" dirty="0"/>
+              <a:t> node toe </a:t>
+            </a:r>
+            <a:r>
+              <a:rPr lang="en-GB" dirty="0" err="1"/>
+              <a:t>aan</a:t>
+            </a:r>
+            <a:r>
+              <a:rPr lang="en-GB" dirty="0"/>
+              <a:t> visited list</a:t>
+            </a:r>
+          </a:p>
+          <a:p>
+            <a:r>
+              <a:rPr lang="en-GB" dirty="0"/>
+              <a:t>Pop </a:t>
+            </a:r>
+            <a:r>
+              <a:rPr lang="en-GB" dirty="0" err="1"/>
+              <a:t>eerste</a:t>
+            </a:r>
+            <a:r>
+              <a:rPr lang="en-GB" dirty="0"/>
+              <a:t> node </a:t>
+            </a:r>
+            <a:r>
+              <a:rPr lang="en-GB" dirty="0" err="1"/>
+              <a:t>uit</a:t>
+            </a:r>
+            <a:r>
+              <a:rPr lang="en-GB" dirty="0"/>
+              <a:t> queue </a:t>
+            </a:r>
+            <a:r>
+              <a:rPr lang="en-GB" dirty="0" err="1"/>
+              <a:t>en</a:t>
+            </a:r>
+            <a:r>
+              <a:rPr lang="en-GB" dirty="0"/>
+              <a:t> </a:t>
+            </a:r>
+            <a:r>
+              <a:rPr lang="en-GB" dirty="0" err="1"/>
+              <a:t>herhaal</a:t>
+            </a:r>
+            <a:r>
+              <a:rPr lang="en-GB" dirty="0"/>
+              <a:t> process</a:t>
+            </a:r>
+          </a:p>
+          <a:p>
+            <a:r>
+              <a:rPr lang="en-GB" dirty="0"/>
+              <a:t>BFS </a:t>
+            </a:r>
+            <a:r>
+              <a:rPr lang="en-GB" dirty="0" err="1"/>
+              <a:t>checkt</a:t>
+            </a:r>
+            <a:r>
+              <a:rPr lang="en-GB" dirty="0"/>
+              <a:t> </a:t>
+            </a:r>
+            <a:r>
+              <a:rPr lang="en-GB" dirty="0" err="1"/>
+              <a:t>altijd</a:t>
+            </a:r>
+            <a:r>
+              <a:rPr lang="en-GB" dirty="0"/>
+              <a:t> </a:t>
+            </a:r>
+            <a:r>
+              <a:rPr lang="en-GB" dirty="0" err="1"/>
+              <a:t>eerst</a:t>
+            </a:r>
+            <a:r>
+              <a:rPr lang="en-GB" dirty="0"/>
+              <a:t> de nodes die het </a:t>
+            </a:r>
+            <a:r>
+              <a:rPr lang="en-GB" dirty="0" err="1"/>
+              <a:t>langst</a:t>
+            </a:r>
+            <a:r>
+              <a:rPr lang="en-GB" dirty="0"/>
+              <a:t> in de queue </a:t>
+            </a:r>
+            <a:r>
+              <a:rPr lang="en-GB" dirty="0" err="1"/>
+              <a:t>staan</a:t>
+            </a:r>
+            <a:endParaRPr lang="en-GB" dirty="0"/>
+          </a:p>
+          <a:p>
+            <a:endParaRPr lang="en-GB" dirty="0"/>
+          </a:p>
+          <a:p>
+            <a:pPr lvl="1"/>
+            <a:endParaRPr lang="en-GB" dirty="0"/>
+          </a:p>
+          <a:p>
+            <a:pPr lvl="1"/>
+            <a:endParaRPr lang="en-GB" dirty="0"/>
+          </a:p>
+          <a:p>
+            <a:pPr lvl="1"/>
+            <a:endParaRPr lang="en-GB" dirty="0"/>
+          </a:p>
+          <a:p>
+            <a:pPr lvl="1"/>
+            <a:endParaRPr lang="en-GB" dirty="0"/>
           </a:p>
         </p:txBody>
       </p:sp>
     </p:spTree>
+    <p:extLst>
+      <p:ext uri="{BB962C8B-B14F-4D97-AF65-F5344CB8AC3E}">
+        <p14:creationId xmlns:p14="http://schemas.microsoft.com/office/powerpoint/2010/main" val="2522000647"/>
+      </p:ext>
+    </p:extLst>
   </p:cSld>
   <p:clrMapOvr>
     <a:masterClrMapping/>
@@ -5603,6 +5865,118 @@
       </p:grpSpPr>
       <p:sp>
         <p:nvSpPr>
+          <p:cNvPr id="2" name="Title 1">
+            <a:extLst>
+              <a:ext uri="{FF2B5EF4-FFF2-40B4-BE49-F238E27FC236}">
+                <a16:creationId xmlns:a16="http://schemas.microsoft.com/office/drawing/2014/main" id="{D40136FA-2CD3-4A36-9E39-DA1167BB23D2}"/>
+              </a:ext>
+            </a:extLst>
+          </p:cNvPr>
+          <p:cNvSpPr>
+            <a:spLocks noGrp="1"/>
+          </p:cNvSpPr>
+          <p:nvPr>
+            <p:ph type="title"/>
+          </p:nvPr>
+        </p:nvSpPr>
+        <p:spPr/>
+        <p:txBody>
+          <a:bodyPr/>
+          <a:lstStyle/>
+          <a:p>
+            <a:r>
+              <a:rPr lang="nl-NL" dirty="0" err="1"/>
+              <a:t>Breadth</a:t>
+            </a:r>
+            <a:r>
+              <a:rPr lang="nl-NL" dirty="0"/>
+              <a:t> First Search </a:t>
+            </a:r>
+            <a:endParaRPr lang="en-GB" dirty="0"/>
+          </a:p>
+        </p:txBody>
+      </p:sp>
+      <p:pic>
+        <p:nvPicPr>
+          <p:cNvPr id="4" name="Picture 4" descr="Afbeeldingsresultaat voor breadth first search algorithm">
+            <a:extLst>
+              <a:ext uri="{FF2B5EF4-FFF2-40B4-BE49-F238E27FC236}">
+                <a16:creationId xmlns:a16="http://schemas.microsoft.com/office/drawing/2014/main" id="{D2D14DDF-A868-477C-A2E2-AAC9E24A61F3}"/>
+              </a:ext>
+            </a:extLst>
+          </p:cNvPr>
+          <p:cNvPicPr>
+            <a:picLocks noGrp="1" noChangeAspect="1" noChangeArrowheads="1"/>
+          </p:cNvPicPr>
+          <p:nvPr>
+            <p:ph sz="quarter" idx="1"/>
+          </p:nvPr>
+        </p:nvPicPr>
+        <p:blipFill>
+          <a:blip r:embed="rId2">
+            <a:extLst>
+              <a:ext uri="{28A0092B-C50C-407E-A947-70E740481C1C}">
+                <a14:useLocalDpi xmlns:a14="http://schemas.microsoft.com/office/drawing/2010/main" val="0"/>
+              </a:ext>
+            </a:extLst>
+          </a:blip>
+          <a:srcRect/>
+          <a:stretch>
+            <a:fillRect/>
+          </a:stretch>
+        </p:blipFill>
+        <p:spPr bwMode="auto">
+          <a:xfrm>
+            <a:off x="683568" y="1988840"/>
+            <a:ext cx="6737176" cy="4317407"/>
+          </a:xfrm>
+          <a:prstGeom prst="rect">
+            <a:avLst/>
+          </a:prstGeom>
+          <a:noFill/>
+          <a:extLst>
+            <a:ext uri="{909E8E84-426E-40DD-AFC4-6F175D3DCCD1}">
+              <a14:hiddenFill xmlns:a14="http://schemas.microsoft.com/office/drawing/2010/main">
+                <a:solidFill>
+                  <a:srgbClr val="FFFFFF"/>
+                </a:solidFill>
+              </a14:hiddenFill>
+            </a:ext>
+          </a:extLst>
+        </p:spPr>
+      </p:pic>
+    </p:spTree>
+    <p:extLst>
+      <p:ext uri="{BB962C8B-B14F-4D97-AF65-F5344CB8AC3E}">
+        <p14:creationId xmlns:p14="http://schemas.microsoft.com/office/powerpoint/2010/main" val="3754773130"/>
+      </p:ext>
+    </p:extLst>
+  </p:cSld>
+  <p:clrMapOvr>
+    <a:masterClrMapping/>
+  </p:clrMapOvr>
+</p:sld>
+</file>
+
+<file path=ppt/slides/slide8.xml><?xml version="1.0" encoding="utf-8"?>
+<p:sld xmlns:a="http://schemas.openxmlformats.org/drawingml/2006/main" xmlns:r="http://schemas.openxmlformats.org/officeDocument/2006/relationships" xmlns:p="http://schemas.openxmlformats.org/presentationml/2006/main">
+  <p:cSld>
+    <p:spTree>
+      <p:nvGrpSpPr>
+        <p:cNvPr id="1" name=""/>
+        <p:cNvGrpSpPr/>
+        <p:nvPr/>
+      </p:nvGrpSpPr>
+      <p:grpSpPr>
+        <a:xfrm>
+          <a:off x="0" y="0"/>
+          <a:ext cx="0" cy="0"/>
+          <a:chOff x="0" y="0"/>
+          <a:chExt cx="0" cy="0"/>
+        </a:xfrm>
+      </p:grpSpPr>
+      <p:sp>
+        <p:nvSpPr>
           <p:cNvPr id="2" name="Title 1"/>
           <p:cNvSpPr>
             <a:spLocks noGrp="1"/>
@@ -5617,60 +5991,58 @@
           <a:lstStyle/>
           <a:p>
             <a:r>
-              <a:rPr lang="nl-NL" dirty="0" smtClean="0"/>
+              <a:rPr lang="nl-NL" dirty="0"/>
               <a:t>Nog te doen	</a:t>
             </a:r>
+          </a:p>
+        </p:txBody>
+      </p:sp>
+      <p:sp>
+        <p:nvSpPr>
+          <p:cNvPr id="3" name="Content Placeholder 2"/>
+          <p:cNvSpPr>
+            <a:spLocks noGrp="1"/>
+          </p:cNvSpPr>
+          <p:nvPr>
+            <p:ph sz="quarter" idx="1"/>
+          </p:nvPr>
+        </p:nvSpPr>
+        <p:spPr/>
+        <p:txBody>
+          <a:bodyPr/>
+          <a:lstStyle/>
+          <a:p>
+            <a:r>
+              <a:rPr lang="nl-NL" dirty="0"/>
+              <a:t>BFS afmaken en kijken of we het algoritme efficienter kunnen laten lopen</a:t>
+            </a:r>
+          </a:p>
+          <a:p>
             <a:endParaRPr lang="nl-NL" dirty="0"/>
           </a:p>
-        </p:txBody>
-      </p:sp>
-      <p:sp>
-        <p:nvSpPr>
-          <p:cNvPr id="3" name="Content Placeholder 2"/>
-          <p:cNvSpPr>
-            <a:spLocks noGrp="1"/>
-          </p:cNvSpPr>
-          <p:nvPr>
-            <p:ph sz="quarter" idx="1"/>
-          </p:nvPr>
-        </p:nvSpPr>
-        <p:spPr/>
-        <p:txBody>
-          <a:bodyPr/>
-          <a:lstStyle/>
-          <a:p>
-            <a:r>
-              <a:rPr lang="nl-NL" dirty="0" smtClean="0"/>
-              <a:t>BFS afmaken en kijken of we het algoritme efficienter kunnen laten lopen</a:t>
-            </a:r>
-          </a:p>
-          <a:p>
-            <a:endParaRPr lang="nl-NL" dirty="0" smtClean="0"/>
-          </a:p>
-          <a:p>
-            <a:endParaRPr lang="nl-NL" dirty="0" smtClean="0"/>
-          </a:p>
-          <a:p>
-            <a:r>
-              <a:rPr lang="nl-NL" dirty="0" smtClean="0"/>
+          <a:p>
+            <a:endParaRPr lang="nl-NL" dirty="0"/>
+          </a:p>
+          <a:p>
+            <a:r>
+              <a:rPr lang="nl-NL" dirty="0"/>
               <a:t>DFS implementeren</a:t>
             </a:r>
           </a:p>
           <a:p>
-            <a:endParaRPr lang="nl-NL" dirty="0" smtClean="0"/>
-          </a:p>
-          <a:p>
-            <a:endParaRPr lang="nl-NL" dirty="0" smtClean="0"/>
-          </a:p>
-          <a:p>
-            <a:r>
-              <a:rPr lang="nl-NL" dirty="0" smtClean="0"/>
+            <a:endParaRPr lang="nl-NL" dirty="0"/>
+          </a:p>
+          <a:p>
+            <a:endParaRPr lang="nl-NL" dirty="0"/>
+          </a:p>
+          <a:p>
+            <a:r>
+              <a:rPr lang="nl-NL" dirty="0"/>
               <a:t>Analyse maken die beide methodes vergelijkt in termen van snelheid en efficientie</a:t>
             </a:r>
-            <a:endParaRPr lang="nl-NL" dirty="0" smtClean="0"/>
-          </a:p>
-          <a:p>
-            <a:endParaRPr lang="nl-NL" dirty="0" smtClean="0"/>
+          </a:p>
+          <a:p>
+            <a:endParaRPr lang="nl-NL" dirty="0"/>
           </a:p>
           <a:p>
             <a:pPr>

--- a/RushHour.pptx
+++ b/RushHour.pptx
@@ -12,7 +12,8 @@
     <p:sldId id="262" r:id="rId6"/>
     <p:sldId id="263" r:id="rId7"/>
     <p:sldId id="264" r:id="rId8"/>
-    <p:sldId id="261" r:id="rId9"/>
+    <p:sldId id="265" r:id="rId9"/>
+    <p:sldId id="261" r:id="rId10"/>
   </p:sldIdLst>
   <p:sldSz cx="9144000" cy="6858000" type="screen4x3"/>
   <p:notesSz cx="6858000" cy="9144000"/>
@@ -133,11 +134,7 @@
 <file path=ppt/commentAuthors.xml><?xml version="1.0" encoding="utf-8"?>
 <p:cmAuthorLst xmlns:a="http://schemas.openxmlformats.org/drawingml/2006/main" xmlns:r="http://schemas.openxmlformats.org/officeDocument/2006/relationships" xmlns:p="http://schemas.openxmlformats.org/presentationml/2006/main">
   <p:cmAuthor id="1" name="Jan Elders" initials="JE" lastIdx="1" clrIdx="0">
-    <p:extLst>
-      <p:ext uri="{19B8F6BF-5375-455C-9EA6-DF929625EA0E}">
-        <p15:presenceInfo xmlns:p15="http://schemas.microsoft.com/office/powerpoint/2012/main" userId="ae4a116a71e5db7b" providerId="Windows Live"/>
-      </p:ext>
-    </p:extLst>
+    <p:extLst/>
   </p:cmAuthor>
 </p:cmAuthorLst>
 </file>
@@ -277,7 +274,7 @@
           <a:p>
             <a:fld id="{C8F29507-750A-4918-B9AF-C5FB9FCFA07D}" type="datetimeFigureOut">
               <a:rPr lang="nl-NL" smtClean="0"/>
-              <a:t>13-1-2020</a:t>
+              <a:t>15-01-20</a:t>
             </a:fld>
             <a:endParaRPr lang="nl-NL"/>
           </a:p>
@@ -1145,7 +1142,7 @@
           <a:p>
             <a:fld id="{C8F29507-750A-4918-B9AF-C5FB9FCFA07D}" type="datetimeFigureOut">
               <a:rPr lang="nl-NL" smtClean="0"/>
-              <a:t>13-1-2020</a:t>
+              <a:t>15-01-20</a:t>
             </a:fld>
             <a:endParaRPr lang="nl-NL"/>
           </a:p>
@@ -1319,7 +1316,7 @@
           <a:p>
             <a:fld id="{C8F29507-750A-4918-B9AF-C5FB9FCFA07D}" type="datetimeFigureOut">
               <a:rPr lang="nl-NL" smtClean="0"/>
-              <a:t>13-1-2020</a:t>
+              <a:t>15-01-20</a:t>
             </a:fld>
             <a:endParaRPr lang="nl-NL"/>
           </a:p>
@@ -1488,7 +1485,7 @@
           <a:p>
             <a:fld id="{C8F29507-750A-4918-B9AF-C5FB9FCFA07D}" type="datetimeFigureOut">
               <a:rPr lang="nl-NL" smtClean="0"/>
-              <a:t>13-1-2020</a:t>
+              <a:t>15-01-20</a:t>
             </a:fld>
             <a:endParaRPr lang="nl-NL"/>
           </a:p>
@@ -1697,7 +1694,7 @@
           <a:p>
             <a:fld id="{C8F29507-750A-4918-B9AF-C5FB9FCFA07D}" type="datetimeFigureOut">
               <a:rPr lang="nl-NL" smtClean="0"/>
-              <a:t>13-1-2020</a:t>
+              <a:t>15-01-20</a:t>
             </a:fld>
             <a:endParaRPr lang="nl-NL"/>
           </a:p>
@@ -2510,7 +2507,7 @@
           <a:p>
             <a:fld id="{C8F29507-750A-4918-B9AF-C5FB9FCFA07D}" type="datetimeFigureOut">
               <a:rPr lang="nl-NL" smtClean="0"/>
-              <a:t>13-1-2020</a:t>
+              <a:t>15-01-20</a:t>
             </a:fld>
             <a:endParaRPr lang="nl-NL"/>
           </a:p>
@@ -2745,7 +2742,7 @@
           <a:p>
             <a:fld id="{C8F29507-750A-4918-B9AF-C5FB9FCFA07D}" type="datetimeFigureOut">
               <a:rPr lang="nl-NL" smtClean="0"/>
-              <a:t>13-1-2020</a:t>
+              <a:t>15-01-20</a:t>
             </a:fld>
             <a:endParaRPr lang="nl-NL"/>
           </a:p>
@@ -3067,7 +3064,7 @@
           <a:p>
             <a:fld id="{C8F29507-750A-4918-B9AF-C5FB9FCFA07D}" type="datetimeFigureOut">
               <a:rPr lang="nl-NL" smtClean="0"/>
-              <a:t>13-1-2020</a:t>
+              <a:t>15-01-20</a:t>
             </a:fld>
             <a:endParaRPr lang="nl-NL"/>
           </a:p>
@@ -3157,7 +3154,7 @@
           <a:p>
             <a:fld id="{C8F29507-750A-4918-B9AF-C5FB9FCFA07D}" type="datetimeFigureOut">
               <a:rPr lang="nl-NL" smtClean="0"/>
-              <a:t>13-1-2020</a:t>
+              <a:t>15-01-20</a:t>
             </a:fld>
             <a:endParaRPr lang="nl-NL"/>
           </a:p>
@@ -3673,7 +3670,7 @@
           <a:p>
             <a:fld id="{C8F29507-750A-4918-B9AF-C5FB9FCFA07D}" type="datetimeFigureOut">
               <a:rPr lang="nl-NL" smtClean="0"/>
-              <a:t>13-1-2020</a:t>
+              <a:t>15-01-20</a:t>
             </a:fld>
             <a:endParaRPr lang="nl-NL"/>
           </a:p>
@@ -4183,7 +4180,7 @@
           <a:p>
             <a:fld id="{C8F29507-750A-4918-B9AF-C5FB9FCFA07D}" type="datetimeFigureOut">
               <a:rPr lang="nl-NL" smtClean="0"/>
-              <a:t>13-1-2020</a:t>
+              <a:t>15-01-20</a:t>
             </a:fld>
             <a:endParaRPr lang="nl-NL"/>
           </a:p>
@@ -4426,7 +4423,7 @@
           <a:p>
             <a:fld id="{C8F29507-750A-4918-B9AF-C5FB9FCFA07D}" type="datetimeFigureOut">
               <a:rPr lang="nl-NL" smtClean="0"/>
-              <a:t>13-1-2020</a:t>
+              <a:t>15-01-20</a:t>
             </a:fld>
             <a:endParaRPr lang="nl-NL"/>
           </a:p>
@@ -5566,7 +5563,7 @@
           <p:cNvPr id="2" name="Title 1">
             <a:extLst>
               <a:ext uri="{FF2B5EF4-FFF2-40B4-BE49-F238E27FC236}">
-                <a16:creationId xmlns:a16="http://schemas.microsoft.com/office/drawing/2014/main" id="{0A38AAEF-B595-468E-817B-C26627C3BA1A}"/>
+                <a16:creationId xmlns:a16="http://schemas.microsoft.com/office/drawing/2014/main" xmlns="" id="{0A38AAEF-B595-468E-817B-C26627C3BA1A}"/>
               </a:ext>
             </a:extLst>
           </p:cNvPr>
@@ -5599,7 +5596,7 @@
           <p:cNvPr id="3" name="Content Placeholder 2">
             <a:extLst>
               <a:ext uri="{FF2B5EF4-FFF2-40B4-BE49-F238E27FC236}">
-                <a16:creationId xmlns:a16="http://schemas.microsoft.com/office/drawing/2014/main" id="{2ABA9DB0-6EED-4378-9C4A-C07345B5F771}"/>
+                <a16:creationId xmlns:a16="http://schemas.microsoft.com/office/drawing/2014/main" xmlns="" id="{2ABA9DB0-6EED-4378-9C4A-C07345B5F771}"/>
               </a:ext>
             </a:extLst>
           </p:cNvPr>
@@ -5868,7 +5865,7 @@
           <p:cNvPr id="2" name="Title 1">
             <a:extLst>
               <a:ext uri="{FF2B5EF4-FFF2-40B4-BE49-F238E27FC236}">
-                <a16:creationId xmlns:a16="http://schemas.microsoft.com/office/drawing/2014/main" id="{D40136FA-2CD3-4A36-9E39-DA1167BB23D2}"/>
+                <a16:creationId xmlns:a16="http://schemas.microsoft.com/office/drawing/2014/main" xmlns="" id="{D40136FA-2CD3-4A36-9E39-DA1167BB23D2}"/>
               </a:ext>
             </a:extLst>
           </p:cNvPr>
@@ -5901,7 +5898,7 @@
           <p:cNvPr id="4" name="Picture 4" descr="Afbeeldingsresultaat voor breadth first search algorithm">
             <a:extLst>
               <a:ext uri="{FF2B5EF4-FFF2-40B4-BE49-F238E27FC236}">
-                <a16:creationId xmlns:a16="http://schemas.microsoft.com/office/drawing/2014/main" id="{D2D14DDF-A868-477C-A2E2-AAC9E24A61F3}"/>
+                <a16:creationId xmlns:a16="http://schemas.microsoft.com/office/drawing/2014/main" xmlns="" id="{D2D14DDF-A868-477C-A2E2-AAC9E24A61F3}"/>
               </a:ext>
             </a:extLst>
           </p:cNvPr>
@@ -5959,6 +5956,218 @@
 </file>
 
 <file path=ppt/slides/slide8.xml><?xml version="1.0" encoding="utf-8"?>
+<p:sld xmlns:a="http://schemas.openxmlformats.org/drawingml/2006/main" xmlns:r="http://schemas.openxmlformats.org/officeDocument/2006/relationships" xmlns:p="http://schemas.openxmlformats.org/presentationml/2006/main">
+  <p:cSld>
+    <p:spTree>
+      <p:nvGrpSpPr>
+        <p:cNvPr id="1" name=""/>
+        <p:cNvGrpSpPr/>
+        <p:nvPr/>
+      </p:nvGrpSpPr>
+      <p:grpSpPr>
+        <a:xfrm>
+          <a:off x="0" y="0"/>
+          <a:ext cx="0" cy="0"/>
+          <a:chOff x="0" y="0"/>
+          <a:chExt cx="0" cy="0"/>
+        </a:xfrm>
+      </p:grpSpPr>
+      <p:sp>
+        <p:nvSpPr>
+          <p:cNvPr id="2" name="Title 1"/>
+          <p:cNvSpPr>
+            <a:spLocks noGrp="1"/>
+          </p:cNvSpPr>
+          <p:nvPr>
+            <p:ph type="title"/>
+          </p:nvPr>
+        </p:nvSpPr>
+        <p:spPr/>
+        <p:txBody>
+          <a:bodyPr/>
+          <a:lstStyle/>
+          <a:p>
+            <a:r>
+              <a:rPr lang="en-US" dirty="0" smtClean="0"/>
+              <a:t>Iterative deepening DFS</a:t>
+            </a:r>
+            <a:endParaRPr lang="en-US" dirty="0"/>
+          </a:p>
+        </p:txBody>
+      </p:sp>
+      <p:sp>
+        <p:nvSpPr>
+          <p:cNvPr id="3" name="Content Placeholder 2"/>
+          <p:cNvSpPr>
+            <a:spLocks noGrp="1"/>
+          </p:cNvSpPr>
+          <p:nvPr>
+            <p:ph sz="quarter" idx="1"/>
+          </p:nvPr>
+        </p:nvSpPr>
+        <p:spPr/>
+        <p:txBody>
+          <a:bodyPr/>
+          <a:lstStyle/>
+          <a:p>
+            <a:r>
+              <a:rPr lang="en-US" dirty="0" smtClean="0"/>
+              <a:t>DFS met depth limit</a:t>
+            </a:r>
+          </a:p>
+          <a:p>
+            <a:endParaRPr lang="en-US" dirty="0"/>
+          </a:p>
+          <a:p>
+            <a:r>
+              <a:rPr lang="en-US" dirty="0" smtClean="0"/>
+              <a:t>Mix van BFS &amp; DFS</a:t>
+            </a:r>
+          </a:p>
+          <a:p>
+            <a:endParaRPr lang="en-US" dirty="0"/>
+          </a:p>
+          <a:p>
+            <a:r>
+              <a:rPr lang="en-US" dirty="0" smtClean="0"/>
+              <a:t>Net </a:t>
+            </a:r>
+            <a:r>
+              <a:rPr lang="en-US" dirty="0" err="1" smtClean="0"/>
+              <a:t>zoals</a:t>
+            </a:r>
+            <a:r>
+              <a:rPr lang="en-US" dirty="0" smtClean="0"/>
+              <a:t> BFS </a:t>
+            </a:r>
+            <a:r>
+              <a:rPr lang="en-US" dirty="0" err="1" smtClean="0"/>
+              <a:t>altijd</a:t>
+            </a:r>
+            <a:r>
+              <a:rPr lang="en-US" dirty="0" smtClean="0"/>
+              <a:t> de </a:t>
+            </a:r>
+            <a:r>
+              <a:rPr lang="en-US" dirty="0" err="1" smtClean="0"/>
+              <a:t>optimale</a:t>
+            </a:r>
+            <a:r>
+              <a:rPr lang="en-US" dirty="0" smtClean="0"/>
+              <a:t> </a:t>
+            </a:r>
+            <a:r>
+              <a:rPr lang="en-US" dirty="0" err="1" smtClean="0"/>
+              <a:t>oplossing</a:t>
+            </a:r>
+            <a:endParaRPr lang="en-US" dirty="0" smtClean="0"/>
+          </a:p>
+          <a:p>
+            <a:endParaRPr lang="en-US" dirty="0"/>
+          </a:p>
+          <a:p>
+            <a:r>
+              <a:rPr lang="en-US" dirty="0" smtClean="0"/>
+              <a:t>Rush hour </a:t>
+            </a:r>
+            <a:r>
+              <a:rPr lang="en-US" dirty="0" err="1" smtClean="0"/>
+              <a:t>heeft</a:t>
+            </a:r>
+            <a:r>
+              <a:rPr lang="en-US" dirty="0" smtClean="0"/>
+              <a:t> </a:t>
+            </a:r>
+            <a:r>
+              <a:rPr lang="en-US" dirty="0" err="1" smtClean="0"/>
+              <a:t>relatief</a:t>
+            </a:r>
+            <a:r>
+              <a:rPr lang="en-US" dirty="0" smtClean="0"/>
+              <a:t> </a:t>
+            </a:r>
+            <a:r>
+              <a:rPr lang="en-US" dirty="0" err="1" smtClean="0"/>
+              <a:t>lage</a:t>
+            </a:r>
+            <a:r>
+              <a:rPr lang="en-US" dirty="0" smtClean="0"/>
+              <a:t> depth limit</a:t>
+            </a:r>
+          </a:p>
+          <a:p>
+            <a:endParaRPr lang="en-US" dirty="0"/>
+          </a:p>
+          <a:p>
+            <a:r>
+              <a:rPr lang="en-US" dirty="0" err="1" smtClean="0"/>
+              <a:t>Hierdoor</a:t>
+            </a:r>
+            <a:r>
+              <a:rPr lang="en-US" dirty="0" smtClean="0"/>
+              <a:t> </a:t>
+            </a:r>
+            <a:r>
+              <a:rPr lang="en-US" dirty="0" err="1" smtClean="0"/>
+              <a:t>algoritme</a:t>
+            </a:r>
+            <a:r>
+              <a:rPr lang="en-US" dirty="0" smtClean="0"/>
+              <a:t> </a:t>
+            </a:r>
+            <a:r>
+              <a:rPr lang="en-US" dirty="0" err="1" smtClean="0"/>
+              <a:t>waarschijnlijk</a:t>
+            </a:r>
+            <a:r>
+              <a:rPr lang="en-US" dirty="0" smtClean="0"/>
+              <a:t> </a:t>
+            </a:r>
+            <a:r>
+              <a:rPr lang="en-US" dirty="0" err="1" smtClean="0"/>
+              <a:t>sneller</a:t>
+            </a:r>
+            <a:r>
+              <a:rPr lang="en-US" dirty="0" smtClean="0"/>
+              <a:t> </a:t>
+            </a:r>
+            <a:r>
+              <a:rPr lang="en-US" dirty="0" err="1" smtClean="0"/>
+              <a:t>dan</a:t>
+            </a:r>
+            <a:r>
+              <a:rPr lang="en-US" dirty="0" smtClean="0"/>
+              <a:t> BFS</a:t>
+            </a:r>
+          </a:p>
+          <a:p>
+            <a:endParaRPr lang="en-US" dirty="0"/>
+          </a:p>
+          <a:p>
+            <a:endParaRPr lang="en-US" dirty="0" smtClean="0"/>
+          </a:p>
+          <a:p>
+            <a:endParaRPr lang="en-US" dirty="0"/>
+          </a:p>
+          <a:p>
+            <a:endParaRPr lang="en-US" dirty="0"/>
+          </a:p>
+        </p:txBody>
+      </p:sp>
+    </p:spTree>
+    <p:extLst>
+      <p:ext uri="{BB962C8B-B14F-4D97-AF65-F5344CB8AC3E}">
+        <p14:creationId xmlns:p14="http://schemas.microsoft.com/office/powerpoint/2010/main" val="255685107"/>
+      </p:ext>
+    </p:extLst>
+  </p:cSld>
+  <p:clrMapOvr>
+    <a:masterClrMapping/>
+  </p:clrMapOvr>
+</p:sld>
+</file>
+
+<file path=ppt/slides/slide9.xml><?xml version="1.0" encoding="utf-8"?>
 <p:sld xmlns:a="http://schemas.openxmlformats.org/drawingml/2006/main" xmlns:r="http://schemas.openxmlformats.org/officeDocument/2006/relationships" xmlns:p="http://schemas.openxmlformats.org/presentationml/2006/main">
   <p:cSld>
     <p:spTree>
